--- a/Presentation/Presentation.pptx
+++ b/Presentation/Presentation.pptx
@@ -16,13 +16,13 @@
     <p:sldId id="283" r:id="rId7"/>
     <p:sldId id="284" r:id="rId8"/>
     <p:sldId id="285" r:id="rId9"/>
-    <p:sldId id="286" r:id="rId10"/>
-    <p:sldId id="287" r:id="rId11"/>
-    <p:sldId id="288" r:id="rId12"/>
-    <p:sldId id="289" r:id="rId13"/>
-    <p:sldId id="290" r:id="rId14"/>
-    <p:sldId id="291" r:id="rId15"/>
-    <p:sldId id="292" r:id="rId16"/>
+    <p:sldId id="287" r:id="rId10"/>
+    <p:sldId id="288" r:id="rId11"/>
+    <p:sldId id="289" r:id="rId12"/>
+    <p:sldId id="290" r:id="rId13"/>
+    <p:sldId id="291" r:id="rId14"/>
+    <p:sldId id="292" r:id="rId15"/>
+    <p:sldId id="294" r:id="rId16"/>
     <p:sldId id="293" r:id="rId17"/>
   </p:sldIdLst>
   <p:sldSz cx="12192000" cy="6858000"/>
@@ -756,7 +756,7 @@
     </p:spTree>
     <p:extLst>
       <p:ext uri="{BB962C8B-B14F-4D97-AF65-F5344CB8AC3E}">
-        <p14:creationId xmlns:p14="http://schemas.microsoft.com/office/powerpoint/2010/main" val="177547466"/>
+        <p14:creationId xmlns:p14="http://schemas.microsoft.com/office/powerpoint/2010/main" val="28955721"/>
       </p:ext>
     </p:extLst>
   </p:cSld>
@@ -900,7 +900,7 @@
     </p:spTree>
     <p:extLst>
       <p:ext uri="{BB962C8B-B14F-4D97-AF65-F5344CB8AC3E}">
-        <p14:creationId xmlns:p14="http://schemas.microsoft.com/office/powerpoint/2010/main" val="28955721"/>
+        <p14:creationId xmlns:p14="http://schemas.microsoft.com/office/powerpoint/2010/main" val="3150609370"/>
       </p:ext>
     </p:extLst>
   </p:cSld>
@@ -1044,7 +1044,7 @@
     </p:spTree>
     <p:extLst>
       <p:ext uri="{BB962C8B-B14F-4D97-AF65-F5344CB8AC3E}">
-        <p14:creationId xmlns:p14="http://schemas.microsoft.com/office/powerpoint/2010/main" val="3150609370"/>
+        <p14:creationId xmlns:p14="http://schemas.microsoft.com/office/powerpoint/2010/main" val="592346495"/>
       </p:ext>
     </p:extLst>
   </p:cSld>
@@ -1188,7 +1188,7 @@
     </p:spTree>
     <p:extLst>
       <p:ext uri="{BB962C8B-B14F-4D97-AF65-F5344CB8AC3E}">
-        <p14:creationId xmlns:p14="http://schemas.microsoft.com/office/powerpoint/2010/main" val="592346495"/>
+        <p14:creationId xmlns:p14="http://schemas.microsoft.com/office/powerpoint/2010/main" val="4126324038"/>
       </p:ext>
     </p:extLst>
   </p:cSld>
@@ -1242,6 +1242,10 @@
           <a:bodyPr/>
           <a:lstStyle/>
           <a:p>
+            <a:pPr marL="0" indent="0">
+              <a:buFontTx/>
+              <a:buNone/>
+            </a:pPr>
             <a:endParaRPr lang="nl-NL" dirty="0"/>
           </a:p>
         </p:txBody>
@@ -1278,7 +1282,7 @@
               <a:tabLst/>
               <a:defRPr/>
             </a:pPr>
-            <a:fld id="{156D08E3-A4B1-4FAA-974D-596261ED24FC}" type="slidenum">
+            <a:fld id="{6DCF88EA-A6B0-4589-B7EB-9E96D8FBDB5D}" type="slidenum">
               <a:rPr kumimoji="0" lang="nl-NL" sz="1200" b="0" i="0" u="none" strike="noStrike" kern="1200" cap="none" spc="0" normalizeH="0" baseline="0" noProof="0" smtClean="0">
                 <a:ln>
                   <a:noFill/>
@@ -1332,7 +1336,7 @@
     </p:spTree>
     <p:extLst>
       <p:ext uri="{BB962C8B-B14F-4D97-AF65-F5344CB8AC3E}">
-        <p14:creationId xmlns:p14="http://schemas.microsoft.com/office/powerpoint/2010/main" val="4126324038"/>
+        <p14:creationId xmlns:p14="http://schemas.microsoft.com/office/powerpoint/2010/main" val="3186427529"/>
       </p:ext>
     </p:extLst>
   </p:cSld>
@@ -2484,7 +2488,7 @@
     </p:spTree>
     <p:extLst>
       <p:ext uri="{BB962C8B-B14F-4D97-AF65-F5344CB8AC3E}">
-        <p14:creationId xmlns:p14="http://schemas.microsoft.com/office/powerpoint/2010/main" val="1696099294"/>
+        <p14:creationId xmlns:p14="http://schemas.microsoft.com/office/powerpoint/2010/main" val="3680311974"/>
       </p:ext>
     </p:extLst>
   </p:cSld>
@@ -2628,7 +2632,7 @@
     </p:spTree>
     <p:extLst>
       <p:ext uri="{BB962C8B-B14F-4D97-AF65-F5344CB8AC3E}">
-        <p14:creationId xmlns:p14="http://schemas.microsoft.com/office/powerpoint/2010/main" val="3680311974"/>
+        <p14:creationId xmlns:p14="http://schemas.microsoft.com/office/powerpoint/2010/main" val="177547466"/>
       </p:ext>
     </p:extLst>
   </p:cSld>
@@ -6052,687 +6056,6 @@
             <a:pPr algn="l"/>
             <a:r>
               <a:rPr lang="nl-NL" dirty="0" err="1"/>
-              <a:t>Velocity</a:t>
-            </a:r>
-            <a:r>
-              <a:rPr lang="nl-NL" dirty="0"/>
-              <a:t> of </a:t>
-            </a:r>
-            <a:r>
-              <a:rPr lang="nl-NL" dirty="0" err="1"/>
-              <a:t>Pattern</a:t>
-            </a:r>
-            <a:r>
-              <a:rPr lang="nl-NL" dirty="0"/>
-              <a:t> Changes</a:t>
-            </a:r>
-          </a:p>
-        </p:txBody>
-      </p:sp>
-      <p:sp>
-        <p:nvSpPr>
-          <p:cNvPr id="3" name="Tijdelijke aanduiding voor inhoud 2">
-            <a:extLst>
-              <a:ext uri="{FF2B5EF4-FFF2-40B4-BE49-F238E27FC236}">
-                <a16:creationId xmlns:a16="http://schemas.microsoft.com/office/drawing/2014/main" id="{96436896-865D-4BB5-A20E-23198F411869}"/>
-              </a:ext>
-            </a:extLst>
-          </p:cNvPr>
-          <p:cNvSpPr txBox="1">
-            <a:spLocks/>
-          </p:cNvSpPr>
-          <p:nvPr/>
-        </p:nvSpPr>
-        <p:spPr>
-          <a:xfrm>
-            <a:off x="3220212" y="2970559"/>
-            <a:ext cx="6839500" cy="1868141"/>
-          </a:xfrm>
-          <a:prstGeom prst="rect">
-            <a:avLst/>
-          </a:prstGeom>
-          <a:ln>
-            <a:noFill/>
-          </a:ln>
-        </p:spPr>
-        <p:txBody>
-          <a:bodyPr vert="horz" lIns="91440" tIns="45720" rIns="91440" bIns="45720" rtlCol="0" anchor="t" anchorCtr="0">
-            <a:normAutofit/>
-          </a:bodyPr>
-          <a:lstStyle>
-            <a:lvl1pPr marL="144661" indent="-144661" algn="l" defTabSz="385763" rtl="0" eaLnBrk="1" latinLnBrk="0" hangingPunct="1">
-              <a:spcBef>
-                <a:spcPct val="20000"/>
-              </a:spcBef>
-              <a:buFont typeface="Arial" panose="020B0604020202020204" pitchFamily="34" charset="0"/>
-              <a:buChar char="•"/>
-              <a:defRPr sz="2100" kern="1200">
-                <a:solidFill>
-                  <a:schemeClr val="tx1"/>
-                </a:solidFill>
-                <a:latin typeface="Segoe UI Semilight" panose="020B0402040204020203" pitchFamily="34" charset="0"/>
-                <a:ea typeface="+mn-ea"/>
-                <a:cs typeface="Segoe UI Semilight" panose="020B0402040204020203" pitchFamily="34" charset="0"/>
-              </a:defRPr>
-            </a:lvl1pPr>
-            <a:lvl2pPr marL="313433" indent="-120551" algn="l" defTabSz="385763" rtl="0" eaLnBrk="1" latinLnBrk="0" hangingPunct="1">
-              <a:spcBef>
-                <a:spcPct val="20000"/>
-              </a:spcBef>
-              <a:buFont typeface="Arial" panose="020B0604020202020204" pitchFamily="34" charset="0"/>
-              <a:buChar char="–"/>
-              <a:defRPr sz="1800" kern="1200">
-                <a:solidFill>
-                  <a:schemeClr val="tx1"/>
-                </a:solidFill>
-                <a:latin typeface="Segoe UI Semilight" panose="020B0402040204020203" pitchFamily="34" charset="0"/>
-                <a:ea typeface="+mn-ea"/>
-                <a:cs typeface="Segoe UI Semilight" panose="020B0402040204020203" pitchFamily="34" charset="0"/>
-              </a:defRPr>
-            </a:lvl2pPr>
-            <a:lvl3pPr marL="482204" indent="-96441" algn="l" defTabSz="385763" rtl="0" eaLnBrk="1" latinLnBrk="0" hangingPunct="1">
-              <a:spcBef>
-                <a:spcPct val="20000"/>
-              </a:spcBef>
-              <a:buFont typeface="Arial" panose="020B0604020202020204" pitchFamily="34" charset="0"/>
-              <a:buChar char="•"/>
-              <a:defRPr sz="1500" kern="1200">
-                <a:solidFill>
-                  <a:schemeClr val="tx1"/>
-                </a:solidFill>
-                <a:latin typeface="Segoe UI Semilight" panose="020B0402040204020203" pitchFamily="34" charset="0"/>
-                <a:ea typeface="+mn-ea"/>
-                <a:cs typeface="Segoe UI Semilight" panose="020B0402040204020203" pitchFamily="34" charset="0"/>
-              </a:defRPr>
-            </a:lvl3pPr>
-            <a:lvl4pPr marL="675085" indent="-96441" algn="l" defTabSz="385763" rtl="0" eaLnBrk="1" latinLnBrk="0" hangingPunct="1">
-              <a:spcBef>
-                <a:spcPct val="20000"/>
-              </a:spcBef>
-              <a:buFont typeface="Arial" panose="020B0604020202020204" pitchFamily="34" charset="0"/>
-              <a:buChar char="–"/>
-              <a:defRPr sz="1350" kern="1200">
-                <a:solidFill>
-                  <a:schemeClr val="tx1"/>
-                </a:solidFill>
-                <a:latin typeface="Segoe UI Semilight" panose="020B0402040204020203" pitchFamily="34" charset="0"/>
-                <a:ea typeface="+mn-ea"/>
-                <a:cs typeface="Segoe UI Semilight" panose="020B0402040204020203" pitchFamily="34" charset="0"/>
-              </a:defRPr>
-            </a:lvl4pPr>
-            <a:lvl5pPr marL="867966" indent="-96441" algn="l" defTabSz="385763" rtl="0" eaLnBrk="1" latinLnBrk="0" hangingPunct="1">
-              <a:spcBef>
-                <a:spcPct val="20000"/>
-              </a:spcBef>
-              <a:buFont typeface="Arial" panose="020B0604020202020204" pitchFamily="34" charset="0"/>
-              <a:buChar char="»"/>
-              <a:defRPr sz="1350" kern="1200">
-                <a:solidFill>
-                  <a:schemeClr val="tx1"/>
-                </a:solidFill>
-                <a:latin typeface="Segoe UI Semilight" panose="020B0402040204020203" pitchFamily="34" charset="0"/>
-                <a:ea typeface="+mn-ea"/>
-                <a:cs typeface="Segoe UI Semilight" panose="020B0402040204020203" pitchFamily="34" charset="0"/>
-              </a:defRPr>
-            </a:lvl5pPr>
-            <a:lvl6pPr marL="1060847" indent="-96441" algn="l" defTabSz="385763" rtl="0" eaLnBrk="1" latinLnBrk="0" hangingPunct="1">
-              <a:spcBef>
-                <a:spcPct val="20000"/>
-              </a:spcBef>
-              <a:buFont typeface="Arial" panose="020B0604020202020204" pitchFamily="34" charset="0"/>
-              <a:buChar char="•"/>
-              <a:defRPr sz="844" kern="1200">
-                <a:solidFill>
-                  <a:schemeClr val="tx1"/>
-                </a:solidFill>
-                <a:latin typeface="+mn-lt"/>
-                <a:ea typeface="+mn-ea"/>
-                <a:cs typeface="+mn-cs"/>
-              </a:defRPr>
-            </a:lvl6pPr>
-            <a:lvl7pPr marL="1253729" indent="-96441" algn="l" defTabSz="385763" rtl="0" eaLnBrk="1" latinLnBrk="0" hangingPunct="1">
-              <a:spcBef>
-                <a:spcPct val="20000"/>
-              </a:spcBef>
-              <a:buFont typeface="Arial" panose="020B0604020202020204" pitchFamily="34" charset="0"/>
-              <a:buChar char="•"/>
-              <a:defRPr sz="844" kern="1200">
-                <a:solidFill>
-                  <a:schemeClr val="tx1"/>
-                </a:solidFill>
-                <a:latin typeface="+mn-lt"/>
-                <a:ea typeface="+mn-ea"/>
-                <a:cs typeface="+mn-cs"/>
-              </a:defRPr>
-            </a:lvl7pPr>
-            <a:lvl8pPr marL="1446610" indent="-96441" algn="l" defTabSz="385763" rtl="0" eaLnBrk="1" latinLnBrk="0" hangingPunct="1">
-              <a:spcBef>
-                <a:spcPct val="20000"/>
-              </a:spcBef>
-              <a:buFont typeface="Arial" panose="020B0604020202020204" pitchFamily="34" charset="0"/>
-              <a:buChar char="•"/>
-              <a:defRPr sz="844" kern="1200">
-                <a:solidFill>
-                  <a:schemeClr val="tx1"/>
-                </a:solidFill>
-                <a:latin typeface="+mn-lt"/>
-                <a:ea typeface="+mn-ea"/>
-                <a:cs typeface="+mn-cs"/>
-              </a:defRPr>
-            </a:lvl8pPr>
-            <a:lvl9pPr marL="1639491" indent="-96441" algn="l" defTabSz="385763" rtl="0" eaLnBrk="1" latinLnBrk="0" hangingPunct="1">
-              <a:spcBef>
-                <a:spcPct val="20000"/>
-              </a:spcBef>
-              <a:buFont typeface="Arial" panose="020B0604020202020204" pitchFamily="34" charset="0"/>
-              <a:buChar char="•"/>
-              <a:defRPr sz="844" kern="1200">
-                <a:solidFill>
-                  <a:schemeClr val="tx1"/>
-                </a:solidFill>
-                <a:latin typeface="+mn-lt"/>
-                <a:ea typeface="+mn-ea"/>
-                <a:cs typeface="+mn-cs"/>
-              </a:defRPr>
-            </a:lvl9pPr>
-          </a:lstStyle>
-          <a:p>
-            <a:pPr marL="0" marR="0" lvl="0" indent="0" algn="l" defTabSz="385763" rtl="0" eaLnBrk="1" fontAlgn="auto" latinLnBrk="0" hangingPunct="1">
-              <a:lnSpc>
-                <a:spcPct val="100000"/>
-              </a:lnSpc>
-              <a:spcBef>
-                <a:spcPct val="20000"/>
-              </a:spcBef>
-              <a:spcAft>
-                <a:spcPts val="0"/>
-              </a:spcAft>
-              <a:buClrTx/>
-              <a:buSzTx/>
-              <a:buFont typeface="Arial" panose="020B0604020202020204" pitchFamily="34" charset="0"/>
-              <a:buNone/>
-              <a:tabLst/>
-              <a:defRPr/>
-            </a:pPr>
-            <a:endParaRPr kumimoji="0" lang="nl-NL" sz="2100" b="0" i="0" u="none" strike="noStrike" kern="1200" cap="none" spc="0" normalizeH="0" baseline="0" noProof="0" dirty="0">
-              <a:ln>
-                <a:noFill/>
-              </a:ln>
-              <a:solidFill>
-                <a:prstClr val="black"/>
-              </a:solidFill>
-              <a:effectLst/>
-              <a:uLnTx/>
-              <a:uFillTx/>
-              <a:latin typeface="Segoe UI Semilight" panose="020B0402040204020203" pitchFamily="34" charset="0"/>
-              <a:ea typeface="+mn-ea"/>
-              <a:cs typeface="Segoe UI Semilight" panose="020B0402040204020203" pitchFamily="34" charset="0"/>
-            </a:endParaRPr>
-          </a:p>
-        </p:txBody>
-      </p:sp>
-      <p:pic>
-        <p:nvPicPr>
-          <p:cNvPr id="5" name="Afbeelding 4">
-            <a:extLst>
-              <a:ext uri="{FF2B5EF4-FFF2-40B4-BE49-F238E27FC236}">
-                <a16:creationId xmlns:a16="http://schemas.microsoft.com/office/drawing/2014/main" id="{6FD2FE22-76C2-41B0-B3AC-B0ABC5709888}"/>
-              </a:ext>
-            </a:extLst>
-          </p:cNvPr>
-          <p:cNvPicPr>
-            <a:picLocks noChangeAspect="1"/>
-          </p:cNvPicPr>
-          <p:nvPr/>
-        </p:nvPicPr>
-        <p:blipFill>
-          <a:blip r:embed="rId3">
-            <a:extLst>
-              <a:ext uri="{28A0092B-C50C-407E-A947-70E740481C1C}">
-                <a14:useLocalDpi xmlns:a14="http://schemas.microsoft.com/office/drawing/2010/main" val="0"/>
-              </a:ext>
-            </a:extLst>
-          </a:blip>
-          <a:stretch>
-            <a:fillRect/>
-          </a:stretch>
-        </p:blipFill>
-        <p:spPr>
-          <a:xfrm>
-            <a:off x="974704" y="1554480"/>
-            <a:ext cx="7955280" cy="5303520"/>
-          </a:xfrm>
-          <a:prstGeom prst="rect">
-            <a:avLst/>
-          </a:prstGeom>
-        </p:spPr>
-      </p:pic>
-      <p:pic>
-        <p:nvPicPr>
-          <p:cNvPr id="7" name="Afbeelding 6">
-            <a:extLst>
-              <a:ext uri="{FF2B5EF4-FFF2-40B4-BE49-F238E27FC236}">
-                <a16:creationId xmlns:a16="http://schemas.microsoft.com/office/drawing/2014/main" id="{3B58DBF2-1D69-4FED-B1EA-96A133D70E1A}"/>
-              </a:ext>
-            </a:extLst>
-          </p:cNvPr>
-          <p:cNvPicPr>
-            <a:picLocks noChangeAspect="1"/>
-          </p:cNvPicPr>
-          <p:nvPr/>
-        </p:nvPicPr>
-        <p:blipFill>
-          <a:blip r:embed="rId4">
-            <a:extLst>
-              <a:ext uri="{28A0092B-C50C-407E-A947-70E740481C1C}">
-                <a14:useLocalDpi xmlns:a14="http://schemas.microsoft.com/office/drawing/2010/main" val="0"/>
-              </a:ext>
-            </a:extLst>
-          </a:blip>
-          <a:stretch>
-            <a:fillRect/>
-          </a:stretch>
-        </p:blipFill>
-        <p:spPr>
-          <a:xfrm>
-            <a:off x="4388464" y="1303450"/>
-            <a:ext cx="7803536" cy="5202357"/>
-          </a:xfrm>
-          <a:prstGeom prst="rect">
-            <a:avLst/>
-          </a:prstGeom>
-        </p:spPr>
-      </p:pic>
-    </p:spTree>
-    <p:extLst>
-      <p:ext uri="{BB962C8B-B14F-4D97-AF65-F5344CB8AC3E}">
-        <p14:creationId xmlns:p14="http://schemas.microsoft.com/office/powerpoint/2010/main" val="1430970111"/>
-      </p:ext>
-    </p:extLst>
-  </p:cSld>
-  <p:clrMapOvr>
-    <a:masterClrMapping/>
-  </p:clrMapOvr>
-  <mc:AlternateContent xmlns:mc="http://schemas.openxmlformats.org/markup-compatibility/2006">
-    <mc:Choice xmlns:p14="http://schemas.microsoft.com/office/powerpoint/2010/main" Requires="p14">
-      <p:transition spd="slow" p14:dur="800">
-        <p14:flythrough dir="out"/>
-      </p:transition>
-    </mc:Choice>
-    <mc:Fallback>
-      <p:transition spd="slow">
-        <p:fade/>
-      </p:transition>
-    </mc:Fallback>
-  </mc:AlternateContent>
-  <p:timing>
-    <p:tnLst>
-      <p:par>
-        <p:cTn id="1" dur="indefinite" restart="never" nodeType="tmRoot">
-          <p:childTnLst>
-            <p:seq concurrent="1" nextAc="seek">
-              <p:cTn id="2" dur="indefinite" nodeType="mainSeq">
-                <p:childTnLst>
-                  <p:par>
-                    <p:cTn id="3" fill="hold">
-                      <p:stCondLst>
-                        <p:cond delay="indefinite"/>
-                      </p:stCondLst>
-                      <p:childTnLst>
-                        <p:par>
-                          <p:cTn id="4" fill="hold">
-                            <p:stCondLst>
-                              <p:cond delay="0"/>
-                            </p:stCondLst>
-                            <p:childTnLst>
-                              <p:par>
-                                <p:cTn id="5" presetID="64" presetClass="path" presetSubtype="0" decel="50000" fill="hold" grpId="0" nodeType="clickEffect">
-                                  <p:stCondLst>
-                                    <p:cond delay="0"/>
-                                  </p:stCondLst>
-                                  <p:childTnLst>
-                                    <p:animMotion origin="layout" path="M 8.33333E-7 0 L 8.33333E-7 -0.27245 " pathEditMode="relative" rAng="0" ptsTypes="AA">
-                                      <p:cBhvr>
-                                        <p:cTn id="6" dur="500" fill="hold"/>
-                                        <p:tgtEl>
-                                          <p:spTgt spid="2"/>
-                                        </p:tgtEl>
-                                        <p:attrNameLst>
-                                          <p:attrName>ppt_x</p:attrName>
-                                          <p:attrName>ppt_y</p:attrName>
-                                        </p:attrNameLst>
-                                      </p:cBhvr>
-                                      <p:rCtr x="0" y="-13634"/>
-                                    </p:animMotion>
-                                  </p:childTnLst>
-                                </p:cTn>
-                              </p:par>
-                              <p:par>
-                                <p:cTn id="7" presetID="12" presetClass="entr" presetSubtype="4" fill="hold" grpId="0" nodeType="withEffect" nodePh="1">
-                                  <p:stCondLst>
-                                    <p:cond delay="0"/>
-                                  </p:stCondLst>
-                                  <p:endCondLst>
-                                    <p:cond evt="begin" delay="0">
-                                      <p:tn val="7"/>
-                                    </p:cond>
-                                  </p:endCondLst>
-                                  <p:childTnLst>
-                                    <p:set>
-                                      <p:cBhvr>
-                                        <p:cTn id="8" dur="1" fill="hold">
-                                          <p:stCondLst>
-                                            <p:cond delay="0"/>
-                                          </p:stCondLst>
-                                        </p:cTn>
-                                        <p:tgtEl>
-                                          <p:spTgt spid="3"/>
-                                        </p:tgtEl>
-                                        <p:attrNameLst>
-                                          <p:attrName>style.visibility</p:attrName>
-                                        </p:attrNameLst>
-                                      </p:cBhvr>
-                                      <p:to>
-                                        <p:strVal val="visible"/>
-                                      </p:to>
-                                    </p:set>
-                                    <p:anim calcmode="lin" valueType="num">
-                                      <p:cBhvr additive="base">
-                                        <p:cTn id="9" dur="500"/>
-                                        <p:tgtEl>
-                                          <p:spTgt spid="3"/>
-                                        </p:tgtEl>
-                                        <p:attrNameLst>
-                                          <p:attrName>ppt_y</p:attrName>
-                                        </p:attrNameLst>
-                                      </p:cBhvr>
-                                      <p:tavLst>
-                                        <p:tav tm="0">
-                                          <p:val>
-                                            <p:strVal val="#ppt_y+#ppt_h*1.125000"/>
-                                          </p:val>
-                                        </p:tav>
-                                        <p:tav tm="100000">
-                                          <p:val>
-                                            <p:strVal val="#ppt_y"/>
-                                          </p:val>
-                                        </p:tav>
-                                      </p:tavLst>
-                                    </p:anim>
-                                    <p:animEffect transition="in" filter="wipe(up)">
-                                      <p:cBhvr>
-                                        <p:cTn id="10" dur="500"/>
-                                        <p:tgtEl>
-                                          <p:spTgt spid="3"/>
-                                        </p:tgtEl>
-                                      </p:cBhvr>
-                                    </p:animEffect>
-                                  </p:childTnLst>
-                                </p:cTn>
-                              </p:par>
-                              <p:par>
-                                <p:cTn id="11" presetID="64" presetClass="path" presetSubtype="0" decel="50000" fill="hold" grpId="1" nodeType="withEffect" nodePh="1">
-                                  <p:stCondLst>
-                                    <p:cond delay="0"/>
-                                  </p:stCondLst>
-                                  <p:endCondLst>
-                                    <p:cond evt="begin" delay="0">
-                                      <p:tn val="11"/>
-                                    </p:cond>
-                                  </p:endCondLst>
-                                  <p:childTnLst>
-                                    <p:animMotion origin="layout" path="M -0.00052 0.06227 L -1.45833E-6 -2.96296E-6 " pathEditMode="relative" rAng="0" ptsTypes="AA">
-                                      <p:cBhvr>
-                                        <p:cTn id="12" dur="500" fill="hold"/>
-                                        <p:tgtEl>
-                                          <p:spTgt spid="3"/>
-                                        </p:tgtEl>
-                                        <p:attrNameLst>
-                                          <p:attrName>ppt_x</p:attrName>
-                                          <p:attrName>ppt_y</p:attrName>
-                                        </p:attrNameLst>
-                                      </p:cBhvr>
-                                      <p:rCtr x="26" y="-3125"/>
-                                    </p:animMotion>
-                                  </p:childTnLst>
-                                </p:cTn>
-                              </p:par>
-                              <p:par>
-                                <p:cTn id="13" presetID="12" presetClass="entr" presetSubtype="4" fill="hold" nodeType="withEffect">
-                                  <p:stCondLst>
-                                    <p:cond delay="0"/>
-                                  </p:stCondLst>
-                                  <p:childTnLst>
-                                    <p:set>
-                                      <p:cBhvr>
-                                        <p:cTn id="14" dur="1" fill="hold">
-                                          <p:stCondLst>
-                                            <p:cond delay="0"/>
-                                          </p:stCondLst>
-                                        </p:cTn>
-                                        <p:tgtEl>
-                                          <p:spTgt spid="7"/>
-                                        </p:tgtEl>
-                                        <p:attrNameLst>
-                                          <p:attrName>style.visibility</p:attrName>
-                                        </p:attrNameLst>
-                                      </p:cBhvr>
-                                      <p:to>
-                                        <p:strVal val="visible"/>
-                                      </p:to>
-                                    </p:set>
-                                    <p:anim calcmode="lin" valueType="num">
-                                      <p:cBhvr additive="base">
-                                        <p:cTn id="15" dur="500"/>
-                                        <p:tgtEl>
-                                          <p:spTgt spid="7"/>
-                                        </p:tgtEl>
-                                        <p:attrNameLst>
-                                          <p:attrName>ppt_y</p:attrName>
-                                        </p:attrNameLst>
-                                      </p:cBhvr>
-                                      <p:tavLst>
-                                        <p:tav tm="0">
-                                          <p:val>
-                                            <p:strVal val="#ppt_y+#ppt_h*1.125000"/>
-                                          </p:val>
-                                        </p:tav>
-                                        <p:tav tm="100000">
-                                          <p:val>
-                                            <p:strVal val="#ppt_y"/>
-                                          </p:val>
-                                        </p:tav>
-                                      </p:tavLst>
-                                    </p:anim>
-                                    <p:animEffect transition="in" filter="wipe(up)">
-                                      <p:cBhvr>
-                                        <p:cTn id="16" dur="500"/>
-                                        <p:tgtEl>
-                                          <p:spTgt spid="7"/>
-                                        </p:tgtEl>
-                                      </p:cBhvr>
-                                    </p:animEffect>
-                                  </p:childTnLst>
-                                </p:cTn>
-                              </p:par>
-                              <p:par>
-                                <p:cTn id="17" presetID="64" presetClass="path" presetSubtype="0" decel="50000" fill="hold" nodeType="withEffect">
-                                  <p:stCondLst>
-                                    <p:cond delay="0"/>
-                                  </p:stCondLst>
-                                  <p:childTnLst>
-                                    <p:animMotion origin="layout" path="M -0.00052 0.06227 L -1.45833E-6 -2.96296E-6 " pathEditMode="relative" rAng="0" ptsTypes="AA">
-                                      <p:cBhvr>
-                                        <p:cTn id="18" dur="500" fill="hold"/>
-                                        <p:tgtEl>
-                                          <p:spTgt spid="7"/>
-                                        </p:tgtEl>
-                                        <p:attrNameLst>
-                                          <p:attrName>ppt_x</p:attrName>
-                                          <p:attrName>ppt_y</p:attrName>
-                                        </p:attrNameLst>
-                                      </p:cBhvr>
-                                      <p:rCtr x="26" y="-3125"/>
-                                    </p:animMotion>
-                                  </p:childTnLst>
-                                </p:cTn>
-                              </p:par>
-                              <p:par>
-                                <p:cTn id="19" presetID="12" presetClass="entr" presetSubtype="4" fill="hold" nodeType="withEffect">
-                                  <p:stCondLst>
-                                    <p:cond delay="0"/>
-                                  </p:stCondLst>
-                                  <p:childTnLst>
-                                    <p:set>
-                                      <p:cBhvr>
-                                        <p:cTn id="20" dur="1" fill="hold">
-                                          <p:stCondLst>
-                                            <p:cond delay="0"/>
-                                          </p:stCondLst>
-                                        </p:cTn>
-                                        <p:tgtEl>
-                                          <p:spTgt spid="5"/>
-                                        </p:tgtEl>
-                                        <p:attrNameLst>
-                                          <p:attrName>style.visibility</p:attrName>
-                                        </p:attrNameLst>
-                                      </p:cBhvr>
-                                      <p:to>
-                                        <p:strVal val="visible"/>
-                                      </p:to>
-                                    </p:set>
-                                    <p:anim calcmode="lin" valueType="num">
-                                      <p:cBhvr additive="base">
-                                        <p:cTn id="21" dur="500"/>
-                                        <p:tgtEl>
-                                          <p:spTgt spid="5"/>
-                                        </p:tgtEl>
-                                        <p:attrNameLst>
-                                          <p:attrName>ppt_y</p:attrName>
-                                        </p:attrNameLst>
-                                      </p:cBhvr>
-                                      <p:tavLst>
-                                        <p:tav tm="0">
-                                          <p:val>
-                                            <p:strVal val="#ppt_y+#ppt_h*1.125000"/>
-                                          </p:val>
-                                        </p:tav>
-                                        <p:tav tm="100000">
-                                          <p:val>
-                                            <p:strVal val="#ppt_y"/>
-                                          </p:val>
-                                        </p:tav>
-                                      </p:tavLst>
-                                    </p:anim>
-                                    <p:animEffect transition="in" filter="wipe(up)">
-                                      <p:cBhvr>
-                                        <p:cTn id="22" dur="500"/>
-                                        <p:tgtEl>
-                                          <p:spTgt spid="5"/>
-                                        </p:tgtEl>
-                                      </p:cBhvr>
-                                    </p:animEffect>
-                                  </p:childTnLst>
-                                </p:cTn>
-                              </p:par>
-                              <p:par>
-                                <p:cTn id="23" presetID="64" presetClass="path" presetSubtype="0" decel="50000" fill="hold" nodeType="withEffect">
-                                  <p:stCondLst>
-                                    <p:cond delay="0"/>
-                                  </p:stCondLst>
-                                  <p:childTnLst>
-                                    <p:animMotion origin="layout" path="M -0.00052 0.06227 L -1.45833E-6 -2.96296E-6 " pathEditMode="relative" rAng="0" ptsTypes="AA">
-                                      <p:cBhvr>
-                                        <p:cTn id="24" dur="500" fill="hold"/>
-                                        <p:tgtEl>
-                                          <p:spTgt spid="5"/>
-                                        </p:tgtEl>
-                                        <p:attrNameLst>
-                                          <p:attrName>ppt_x</p:attrName>
-                                          <p:attrName>ppt_y</p:attrName>
-                                        </p:attrNameLst>
-                                      </p:cBhvr>
-                                      <p:rCtr x="26" y="-3125"/>
-                                    </p:animMotion>
-                                  </p:childTnLst>
-                                </p:cTn>
-                              </p:par>
-                            </p:childTnLst>
-                          </p:cTn>
-                        </p:par>
-                      </p:childTnLst>
-                    </p:cTn>
-                  </p:par>
-                </p:childTnLst>
-              </p:cTn>
-              <p:prevCondLst>
-                <p:cond evt="onPrev" delay="0">
-                  <p:tgtEl>
-                    <p:sldTgt/>
-                  </p:tgtEl>
-                </p:cond>
-              </p:prevCondLst>
-              <p:nextCondLst>
-                <p:cond evt="onNext" delay="0">
-                  <p:tgtEl>
-                    <p:sldTgt/>
-                  </p:tgtEl>
-                </p:cond>
-              </p:nextCondLst>
-            </p:seq>
-          </p:childTnLst>
-        </p:cTn>
-      </p:par>
-    </p:tnLst>
-    <p:bldLst>
-      <p:bldP spid="2" grpId="0"/>
-      <p:bldP spid="3" grpId="0"/>
-      <p:bldP spid="3" grpId="1"/>
-    </p:bldLst>
-  </p:timing>
-</p:sld>
-</file>
-
-<file path=ppt/slides/slide11.xml><?xml version="1.0" encoding="utf-8"?>
-<p:sld xmlns:a="http://schemas.openxmlformats.org/drawingml/2006/main" xmlns:r="http://schemas.openxmlformats.org/officeDocument/2006/relationships" xmlns:p="http://schemas.openxmlformats.org/presentationml/2006/main">
-  <p:cSld>
-    <p:spTree>
-      <p:nvGrpSpPr>
-        <p:cNvPr id="1" name=""/>
-        <p:cNvGrpSpPr/>
-        <p:nvPr/>
-      </p:nvGrpSpPr>
-      <p:grpSpPr>
-        <a:xfrm>
-          <a:off x="0" y="0"/>
-          <a:ext cx="0" cy="0"/>
-          <a:chOff x="0" y="0"/>
-          <a:chExt cx="0" cy="0"/>
-        </a:xfrm>
-      </p:grpSpPr>
-      <p:sp>
-        <p:nvSpPr>
-          <p:cNvPr id="2" name="Titel 1"/>
-          <p:cNvSpPr>
-            <a:spLocks noGrp="1"/>
-          </p:cNvSpPr>
-          <p:nvPr>
-            <p:ph type="title"/>
-          </p:nvPr>
-        </p:nvSpPr>
-        <p:spPr>
-          <a:xfrm>
-            <a:off x="3220872" y="2857500"/>
-            <a:ext cx="7567683" cy="1143000"/>
-          </a:xfrm>
-        </p:spPr>
-        <p:txBody>
-          <a:bodyPr/>
-          <a:lstStyle/>
-          <a:p>
-            <a:pPr algn="l"/>
-            <a:r>
-              <a:rPr lang="nl-NL" dirty="0" err="1"/>
               <a:t>Patterns</a:t>
             </a:r>
             <a:r>
@@ -7255,6 +6578,652 @@
 </p:sld>
 </file>
 
+<file path=ppt/slides/slide11.xml><?xml version="1.0" encoding="utf-8"?>
+<p:sld xmlns:a="http://schemas.openxmlformats.org/drawingml/2006/main" xmlns:r="http://schemas.openxmlformats.org/officeDocument/2006/relationships" xmlns:p="http://schemas.openxmlformats.org/presentationml/2006/main">
+  <p:cSld>
+    <p:spTree>
+      <p:nvGrpSpPr>
+        <p:cNvPr id="1" name=""/>
+        <p:cNvGrpSpPr/>
+        <p:nvPr/>
+      </p:nvGrpSpPr>
+      <p:grpSpPr>
+        <a:xfrm>
+          <a:off x="0" y="0"/>
+          <a:ext cx="0" cy="0"/>
+          <a:chOff x="0" y="0"/>
+          <a:chExt cx="0" cy="0"/>
+        </a:xfrm>
+      </p:grpSpPr>
+      <p:sp>
+        <p:nvSpPr>
+          <p:cNvPr id="2" name="Titel 1"/>
+          <p:cNvSpPr>
+            <a:spLocks noGrp="1"/>
+          </p:cNvSpPr>
+          <p:nvPr>
+            <p:ph type="title"/>
+          </p:nvPr>
+        </p:nvSpPr>
+        <p:spPr>
+          <a:xfrm>
+            <a:off x="3220872" y="2857500"/>
+            <a:ext cx="7567683" cy="1143000"/>
+          </a:xfrm>
+        </p:spPr>
+        <p:txBody>
+          <a:bodyPr/>
+          <a:lstStyle/>
+          <a:p>
+            <a:pPr algn="l"/>
+            <a:r>
+              <a:rPr lang="nl-NL" dirty="0" err="1"/>
+              <a:t>Removed</a:t>
+            </a:r>
+            <a:r>
+              <a:rPr lang="nl-NL" dirty="0"/>
+              <a:t> </a:t>
+            </a:r>
+            <a:r>
+              <a:rPr lang="nl-NL" dirty="0" err="1"/>
+              <a:t>Pattern</a:t>
+            </a:r>
+            <a:r>
+              <a:rPr lang="nl-NL" dirty="0"/>
+              <a:t> - </a:t>
+            </a:r>
+            <a:r>
+              <a:rPr lang="nl-NL" dirty="0" err="1"/>
+              <a:t>Strategy</a:t>
+            </a:r>
+            <a:endParaRPr lang="nl-NL" dirty="0"/>
+          </a:p>
+        </p:txBody>
+      </p:sp>
+      <p:sp>
+        <p:nvSpPr>
+          <p:cNvPr id="3" name="Tijdelijke aanduiding voor inhoud 2">
+            <a:extLst>
+              <a:ext uri="{FF2B5EF4-FFF2-40B4-BE49-F238E27FC236}">
+                <a16:creationId xmlns:a16="http://schemas.microsoft.com/office/drawing/2014/main" id="{96436896-865D-4BB5-A20E-23198F411869}"/>
+              </a:ext>
+            </a:extLst>
+          </p:cNvPr>
+          <p:cNvSpPr txBox="1">
+            <a:spLocks/>
+          </p:cNvSpPr>
+          <p:nvPr/>
+        </p:nvSpPr>
+        <p:spPr>
+          <a:xfrm>
+            <a:off x="3220212" y="2970559"/>
+            <a:ext cx="6839500" cy="1868141"/>
+          </a:xfrm>
+          <a:prstGeom prst="rect">
+            <a:avLst/>
+          </a:prstGeom>
+          <a:ln>
+            <a:noFill/>
+          </a:ln>
+        </p:spPr>
+        <p:txBody>
+          <a:bodyPr vert="horz" lIns="91440" tIns="45720" rIns="91440" bIns="45720" rtlCol="0" anchor="t" anchorCtr="0">
+            <a:normAutofit/>
+          </a:bodyPr>
+          <a:lstStyle>
+            <a:lvl1pPr marL="144661" indent="-144661" algn="l" defTabSz="385763" rtl="0" eaLnBrk="1" latinLnBrk="0" hangingPunct="1">
+              <a:spcBef>
+                <a:spcPct val="20000"/>
+              </a:spcBef>
+              <a:buFont typeface="Arial" panose="020B0604020202020204" pitchFamily="34" charset="0"/>
+              <a:buChar char="•"/>
+              <a:defRPr sz="2100" kern="1200">
+                <a:solidFill>
+                  <a:schemeClr val="tx1"/>
+                </a:solidFill>
+                <a:latin typeface="Segoe UI Semilight" panose="020B0402040204020203" pitchFamily="34" charset="0"/>
+                <a:ea typeface="+mn-ea"/>
+                <a:cs typeface="Segoe UI Semilight" panose="020B0402040204020203" pitchFamily="34" charset="0"/>
+              </a:defRPr>
+            </a:lvl1pPr>
+            <a:lvl2pPr marL="313433" indent="-120551" algn="l" defTabSz="385763" rtl="0" eaLnBrk="1" latinLnBrk="0" hangingPunct="1">
+              <a:spcBef>
+                <a:spcPct val="20000"/>
+              </a:spcBef>
+              <a:buFont typeface="Arial" panose="020B0604020202020204" pitchFamily="34" charset="0"/>
+              <a:buChar char="–"/>
+              <a:defRPr sz="1800" kern="1200">
+                <a:solidFill>
+                  <a:schemeClr val="tx1"/>
+                </a:solidFill>
+                <a:latin typeface="Segoe UI Semilight" panose="020B0402040204020203" pitchFamily="34" charset="0"/>
+                <a:ea typeface="+mn-ea"/>
+                <a:cs typeface="Segoe UI Semilight" panose="020B0402040204020203" pitchFamily="34" charset="0"/>
+              </a:defRPr>
+            </a:lvl2pPr>
+            <a:lvl3pPr marL="482204" indent="-96441" algn="l" defTabSz="385763" rtl="0" eaLnBrk="1" latinLnBrk="0" hangingPunct="1">
+              <a:spcBef>
+                <a:spcPct val="20000"/>
+              </a:spcBef>
+              <a:buFont typeface="Arial" panose="020B0604020202020204" pitchFamily="34" charset="0"/>
+              <a:buChar char="•"/>
+              <a:defRPr sz="1500" kern="1200">
+                <a:solidFill>
+                  <a:schemeClr val="tx1"/>
+                </a:solidFill>
+                <a:latin typeface="Segoe UI Semilight" panose="020B0402040204020203" pitchFamily="34" charset="0"/>
+                <a:ea typeface="+mn-ea"/>
+                <a:cs typeface="Segoe UI Semilight" panose="020B0402040204020203" pitchFamily="34" charset="0"/>
+              </a:defRPr>
+            </a:lvl3pPr>
+            <a:lvl4pPr marL="675085" indent="-96441" algn="l" defTabSz="385763" rtl="0" eaLnBrk="1" latinLnBrk="0" hangingPunct="1">
+              <a:spcBef>
+                <a:spcPct val="20000"/>
+              </a:spcBef>
+              <a:buFont typeface="Arial" panose="020B0604020202020204" pitchFamily="34" charset="0"/>
+              <a:buChar char="–"/>
+              <a:defRPr sz="1350" kern="1200">
+                <a:solidFill>
+                  <a:schemeClr val="tx1"/>
+                </a:solidFill>
+                <a:latin typeface="Segoe UI Semilight" panose="020B0402040204020203" pitchFamily="34" charset="0"/>
+                <a:ea typeface="+mn-ea"/>
+                <a:cs typeface="Segoe UI Semilight" panose="020B0402040204020203" pitchFamily="34" charset="0"/>
+              </a:defRPr>
+            </a:lvl4pPr>
+            <a:lvl5pPr marL="867966" indent="-96441" algn="l" defTabSz="385763" rtl="0" eaLnBrk="1" latinLnBrk="0" hangingPunct="1">
+              <a:spcBef>
+                <a:spcPct val="20000"/>
+              </a:spcBef>
+              <a:buFont typeface="Arial" panose="020B0604020202020204" pitchFamily="34" charset="0"/>
+              <a:buChar char="»"/>
+              <a:defRPr sz="1350" kern="1200">
+                <a:solidFill>
+                  <a:schemeClr val="tx1"/>
+                </a:solidFill>
+                <a:latin typeface="Segoe UI Semilight" panose="020B0402040204020203" pitchFamily="34" charset="0"/>
+                <a:ea typeface="+mn-ea"/>
+                <a:cs typeface="Segoe UI Semilight" panose="020B0402040204020203" pitchFamily="34" charset="0"/>
+              </a:defRPr>
+            </a:lvl5pPr>
+            <a:lvl6pPr marL="1060847" indent="-96441" algn="l" defTabSz="385763" rtl="0" eaLnBrk="1" latinLnBrk="0" hangingPunct="1">
+              <a:spcBef>
+                <a:spcPct val="20000"/>
+              </a:spcBef>
+              <a:buFont typeface="Arial" panose="020B0604020202020204" pitchFamily="34" charset="0"/>
+              <a:buChar char="•"/>
+              <a:defRPr sz="844" kern="1200">
+                <a:solidFill>
+                  <a:schemeClr val="tx1"/>
+                </a:solidFill>
+                <a:latin typeface="+mn-lt"/>
+                <a:ea typeface="+mn-ea"/>
+                <a:cs typeface="+mn-cs"/>
+              </a:defRPr>
+            </a:lvl6pPr>
+            <a:lvl7pPr marL="1253729" indent="-96441" algn="l" defTabSz="385763" rtl="0" eaLnBrk="1" latinLnBrk="0" hangingPunct="1">
+              <a:spcBef>
+                <a:spcPct val="20000"/>
+              </a:spcBef>
+              <a:buFont typeface="Arial" panose="020B0604020202020204" pitchFamily="34" charset="0"/>
+              <a:buChar char="•"/>
+              <a:defRPr sz="844" kern="1200">
+                <a:solidFill>
+                  <a:schemeClr val="tx1"/>
+                </a:solidFill>
+                <a:latin typeface="+mn-lt"/>
+                <a:ea typeface="+mn-ea"/>
+                <a:cs typeface="+mn-cs"/>
+              </a:defRPr>
+            </a:lvl7pPr>
+            <a:lvl8pPr marL="1446610" indent="-96441" algn="l" defTabSz="385763" rtl="0" eaLnBrk="1" latinLnBrk="0" hangingPunct="1">
+              <a:spcBef>
+                <a:spcPct val="20000"/>
+              </a:spcBef>
+              <a:buFont typeface="Arial" panose="020B0604020202020204" pitchFamily="34" charset="0"/>
+              <a:buChar char="•"/>
+              <a:defRPr sz="844" kern="1200">
+                <a:solidFill>
+                  <a:schemeClr val="tx1"/>
+                </a:solidFill>
+                <a:latin typeface="+mn-lt"/>
+                <a:ea typeface="+mn-ea"/>
+                <a:cs typeface="+mn-cs"/>
+              </a:defRPr>
+            </a:lvl8pPr>
+            <a:lvl9pPr marL="1639491" indent="-96441" algn="l" defTabSz="385763" rtl="0" eaLnBrk="1" latinLnBrk="0" hangingPunct="1">
+              <a:spcBef>
+                <a:spcPct val="20000"/>
+              </a:spcBef>
+              <a:buFont typeface="Arial" panose="020B0604020202020204" pitchFamily="34" charset="0"/>
+              <a:buChar char="•"/>
+              <a:defRPr sz="844" kern="1200">
+                <a:solidFill>
+                  <a:schemeClr val="tx1"/>
+                </a:solidFill>
+                <a:latin typeface="+mn-lt"/>
+                <a:ea typeface="+mn-ea"/>
+                <a:cs typeface="+mn-cs"/>
+              </a:defRPr>
+            </a:lvl9pPr>
+          </a:lstStyle>
+          <a:p>
+            <a:pPr marL="0" indent="0">
+              <a:buNone/>
+              <a:defRPr/>
+            </a:pPr>
+            <a:r>
+              <a:rPr lang="nl-NL" dirty="0">
+                <a:solidFill>
+                  <a:prstClr val="black"/>
+                </a:solidFill>
+              </a:rPr>
+              <a:t>Scope: </a:t>
+            </a:r>
+            <a:r>
+              <a:rPr lang="nl-NL" dirty="0">
+                <a:solidFill>
+                  <a:prstClr val="black"/>
+                </a:solidFill>
+                <a:latin typeface="Cascadia Code" panose="020B0609020000020004" pitchFamily="49" charset="0"/>
+                <a:cs typeface="Cascadia Code" panose="020B0609020000020004" pitchFamily="49" charset="0"/>
+              </a:rPr>
+              <a:t>mina-</a:t>
+            </a:r>
+            <a:r>
+              <a:rPr lang="nl-NL" dirty="0" err="1">
+                <a:solidFill>
+                  <a:prstClr val="black"/>
+                </a:solidFill>
+                <a:latin typeface="Cascadia Code" panose="020B0609020000020004" pitchFamily="49" charset="0"/>
+                <a:cs typeface="Cascadia Code" panose="020B0609020000020004" pitchFamily="49" charset="0"/>
+              </a:rPr>
+              <a:t>core</a:t>
+            </a:r>
+            <a:r>
+              <a:rPr lang="nl-NL" dirty="0">
+                <a:solidFill>
+                  <a:prstClr val="black"/>
+                </a:solidFill>
+                <a:latin typeface="Cascadia Code" panose="020B0609020000020004" pitchFamily="49" charset="0"/>
+                <a:cs typeface="Cascadia Code" panose="020B0609020000020004" pitchFamily="49" charset="0"/>
+              </a:rPr>
+              <a:t>-</a:t>
+            </a:r>
+            <a:r>
+              <a:rPr lang="nl-NL" dirty="0" err="1">
+                <a:solidFill>
+                  <a:prstClr val="black"/>
+                </a:solidFill>
+                <a:latin typeface="Cascadia Code" panose="020B0609020000020004" pitchFamily="49" charset="0"/>
+                <a:cs typeface="Cascadia Code" panose="020B0609020000020004" pitchFamily="49" charset="0"/>
+              </a:rPr>
+              <a:t>IOService</a:t>
+            </a:r>
+            <a:endParaRPr lang="nl-NL" dirty="0">
+              <a:solidFill>
+                <a:prstClr val="black"/>
+              </a:solidFill>
+              <a:latin typeface="Cascadia Code" panose="020B0609020000020004" pitchFamily="49" charset="0"/>
+              <a:cs typeface="Cascadia Code" panose="020B0609020000020004" pitchFamily="49" charset="0"/>
+            </a:endParaRPr>
+          </a:p>
+          <a:p>
+            <a:pPr marL="0" marR="0" lvl="0" indent="0" algn="l" defTabSz="385763" rtl="0" eaLnBrk="1" fontAlgn="auto" latinLnBrk="0" hangingPunct="1">
+              <a:lnSpc>
+                <a:spcPct val="100000"/>
+              </a:lnSpc>
+              <a:spcBef>
+                <a:spcPct val="20000"/>
+              </a:spcBef>
+              <a:spcAft>
+                <a:spcPts val="0"/>
+              </a:spcAft>
+              <a:buClrTx/>
+              <a:buSzTx/>
+              <a:buFont typeface="Arial" panose="020B0604020202020204" pitchFamily="34" charset="0"/>
+              <a:buNone/>
+              <a:tabLst/>
+              <a:defRPr/>
+            </a:pPr>
+            <a:r>
+              <a:rPr lang="nl-NL" noProof="0" dirty="0">
+                <a:solidFill>
+                  <a:prstClr val="black"/>
+                </a:solidFill>
+              </a:rPr>
+              <a:t>“</a:t>
+            </a:r>
+            <a:r>
+              <a:rPr lang="nl-NL" noProof="0" dirty="0" err="1">
+                <a:solidFill>
+                  <a:prstClr val="black"/>
+                </a:solidFill>
+              </a:rPr>
+              <a:t>Fundamental</a:t>
+            </a:r>
+            <a:r>
+              <a:rPr lang="nl-NL" dirty="0">
+                <a:solidFill>
+                  <a:prstClr val="black"/>
+                </a:solidFill>
+              </a:rPr>
+              <a:t>” </a:t>
+            </a:r>
+            <a:r>
+              <a:rPr lang="nl-NL" dirty="0" err="1">
+                <a:solidFill>
+                  <a:prstClr val="black"/>
+                </a:solidFill>
+              </a:rPr>
+              <a:t>Pattern</a:t>
+            </a:r>
+            <a:endParaRPr lang="nl-NL" dirty="0">
+              <a:solidFill>
+                <a:prstClr val="black"/>
+              </a:solidFill>
+            </a:endParaRPr>
+          </a:p>
+          <a:p>
+            <a:pPr marL="0" marR="0" lvl="0" indent="0" algn="l" defTabSz="385763" rtl="0" eaLnBrk="1" fontAlgn="auto" latinLnBrk="0" hangingPunct="1">
+              <a:lnSpc>
+                <a:spcPct val="100000"/>
+              </a:lnSpc>
+              <a:spcBef>
+                <a:spcPct val="20000"/>
+              </a:spcBef>
+              <a:spcAft>
+                <a:spcPts val="0"/>
+              </a:spcAft>
+              <a:buClrTx/>
+              <a:buSzTx/>
+              <a:buFont typeface="Arial" panose="020B0604020202020204" pitchFamily="34" charset="0"/>
+              <a:buNone/>
+              <a:tabLst/>
+              <a:defRPr/>
+            </a:pPr>
+            <a:r>
+              <a:rPr kumimoji="0" lang="nl-NL" sz="2100" b="0" i="0" u="none" strike="noStrike" kern="1200" cap="none" spc="0" normalizeH="0" baseline="0" noProof="0" dirty="0" err="1">
+                <a:ln>
+                  <a:noFill/>
+                </a:ln>
+                <a:solidFill>
+                  <a:prstClr val="black"/>
+                </a:solidFill>
+                <a:effectLst/>
+                <a:uLnTx/>
+                <a:uFillTx/>
+                <a:latin typeface="Segoe UI Semilight" panose="020B0402040204020203" pitchFamily="34" charset="0"/>
+                <a:ea typeface="+mn-ea"/>
+                <a:cs typeface="Segoe UI Semilight" panose="020B0402040204020203" pitchFamily="34" charset="0"/>
+              </a:rPr>
+              <a:t>Various</a:t>
+            </a:r>
+            <a:r>
+              <a:rPr kumimoji="0" lang="nl-NL" sz="2100" b="0" i="0" u="none" strike="noStrike" kern="1200" cap="none" spc="0" normalizeH="0" baseline="0" noProof="0" dirty="0">
+                <a:ln>
+                  <a:noFill/>
+                </a:ln>
+                <a:solidFill>
+                  <a:prstClr val="black"/>
+                </a:solidFill>
+                <a:effectLst/>
+                <a:uLnTx/>
+                <a:uFillTx/>
+                <a:latin typeface="Segoe UI Semilight" panose="020B0402040204020203" pitchFamily="34" charset="0"/>
+                <a:ea typeface="+mn-ea"/>
+                <a:cs typeface="Segoe UI Semilight" panose="020B0402040204020203" pitchFamily="34" charset="0"/>
+              </a:rPr>
+              <a:t> changes over time</a:t>
+            </a:r>
+          </a:p>
+          <a:p>
+            <a:pPr marL="0" marR="0" lvl="0" indent="0" algn="l" defTabSz="385763" rtl="0" eaLnBrk="1" fontAlgn="auto" latinLnBrk="0" hangingPunct="1">
+              <a:lnSpc>
+                <a:spcPct val="100000"/>
+              </a:lnSpc>
+              <a:spcBef>
+                <a:spcPct val="20000"/>
+              </a:spcBef>
+              <a:spcAft>
+                <a:spcPts val="0"/>
+              </a:spcAft>
+              <a:buClrTx/>
+              <a:buSzTx/>
+              <a:buFont typeface="Arial" panose="020B0604020202020204" pitchFamily="34" charset="0"/>
+              <a:buNone/>
+              <a:tabLst/>
+              <a:defRPr/>
+            </a:pPr>
+            <a:r>
+              <a:rPr lang="nl-NL" dirty="0">
+                <a:solidFill>
+                  <a:prstClr val="black"/>
+                </a:solidFill>
+              </a:rPr>
+              <a:t>No explicit </a:t>
+            </a:r>
+            <a:r>
+              <a:rPr lang="nl-NL" dirty="0" err="1">
+                <a:solidFill>
+                  <a:prstClr val="black"/>
+                </a:solidFill>
+              </a:rPr>
+              <a:t>discussion</a:t>
+            </a:r>
+            <a:r>
+              <a:rPr lang="nl-NL" dirty="0">
+                <a:solidFill>
+                  <a:prstClr val="black"/>
+                </a:solidFill>
+              </a:rPr>
+              <a:t>/</a:t>
+            </a:r>
+            <a:r>
+              <a:rPr lang="nl-NL" dirty="0" err="1">
+                <a:solidFill>
+                  <a:prstClr val="black"/>
+                </a:solidFill>
+              </a:rPr>
+              <a:t>mention</a:t>
+            </a:r>
+            <a:endParaRPr kumimoji="0" lang="nl-NL" sz="2100" b="0" i="0" u="none" strike="noStrike" kern="1200" cap="none" spc="0" normalizeH="0" baseline="0" noProof="0" dirty="0">
+              <a:ln>
+                <a:noFill/>
+              </a:ln>
+              <a:solidFill>
+                <a:prstClr val="black"/>
+              </a:solidFill>
+              <a:effectLst/>
+              <a:uLnTx/>
+              <a:uFillTx/>
+              <a:latin typeface="Segoe UI Semilight" panose="020B0402040204020203" pitchFamily="34" charset="0"/>
+              <a:ea typeface="+mn-ea"/>
+              <a:cs typeface="Segoe UI Semilight" panose="020B0402040204020203" pitchFamily="34" charset="0"/>
+            </a:endParaRPr>
+          </a:p>
+        </p:txBody>
+      </p:sp>
+    </p:spTree>
+    <p:extLst>
+      <p:ext uri="{BB962C8B-B14F-4D97-AF65-F5344CB8AC3E}">
+        <p14:creationId xmlns:p14="http://schemas.microsoft.com/office/powerpoint/2010/main" val="1946459327"/>
+      </p:ext>
+    </p:extLst>
+  </p:cSld>
+  <p:clrMapOvr>
+    <a:masterClrMapping/>
+  </p:clrMapOvr>
+  <mc:AlternateContent xmlns:mc="http://schemas.openxmlformats.org/markup-compatibility/2006">
+    <mc:Choice xmlns:p14="http://schemas.microsoft.com/office/powerpoint/2010/main" Requires="p14">
+      <p:transition spd="slow" p14:dur="800">
+        <p14:flythrough dir="out"/>
+      </p:transition>
+    </mc:Choice>
+    <mc:Fallback>
+      <p:transition spd="slow">
+        <p:fade/>
+      </p:transition>
+    </mc:Fallback>
+  </mc:AlternateContent>
+  <p:timing>
+    <p:tnLst>
+      <p:par>
+        <p:cTn id="1" dur="indefinite" restart="never" nodeType="tmRoot">
+          <p:childTnLst>
+            <p:seq concurrent="1" nextAc="seek">
+              <p:cTn id="2" dur="indefinite" nodeType="mainSeq">
+                <p:childTnLst>
+                  <p:par>
+                    <p:cTn id="3" fill="hold">
+                      <p:stCondLst>
+                        <p:cond delay="indefinite"/>
+                      </p:stCondLst>
+                      <p:childTnLst>
+                        <p:par>
+                          <p:cTn id="4" fill="hold">
+                            <p:stCondLst>
+                              <p:cond delay="0"/>
+                            </p:stCondLst>
+                            <p:childTnLst>
+                              <p:par>
+                                <p:cTn id="5" presetID="64" presetClass="path" presetSubtype="0" decel="50000" fill="hold" grpId="0" nodeType="clickEffect">
+                                  <p:stCondLst>
+                                    <p:cond delay="0"/>
+                                  </p:stCondLst>
+                                  <p:childTnLst>
+                                    <p:animMotion origin="layout" path="M 8.33333E-7 0 L -0.00052 -0.14167 " pathEditMode="relative" rAng="0" ptsTypes="AA">
+                                      <p:cBhvr>
+                                        <p:cTn id="6" dur="500" fill="hold"/>
+                                        <p:tgtEl>
+                                          <p:spTgt spid="2"/>
+                                        </p:tgtEl>
+                                        <p:attrNameLst>
+                                          <p:attrName>ppt_x</p:attrName>
+                                          <p:attrName>ppt_y</p:attrName>
+                                        </p:attrNameLst>
+                                      </p:cBhvr>
+                                      <p:rCtr x="-26" y="-7083"/>
+                                    </p:animMotion>
+                                  </p:childTnLst>
+                                </p:cTn>
+                              </p:par>
+                              <p:par>
+                                <p:cTn id="7" presetID="12" presetClass="entr" presetSubtype="4" fill="hold" grpId="0" nodeType="withEffect">
+                                  <p:stCondLst>
+                                    <p:cond delay="0"/>
+                                  </p:stCondLst>
+                                  <p:childTnLst>
+                                    <p:set>
+                                      <p:cBhvr>
+                                        <p:cTn id="8" dur="1" fill="hold">
+                                          <p:stCondLst>
+                                            <p:cond delay="0"/>
+                                          </p:stCondLst>
+                                        </p:cTn>
+                                        <p:tgtEl>
+                                          <p:spTgt spid="3"/>
+                                        </p:tgtEl>
+                                        <p:attrNameLst>
+                                          <p:attrName>style.visibility</p:attrName>
+                                        </p:attrNameLst>
+                                      </p:cBhvr>
+                                      <p:to>
+                                        <p:strVal val="visible"/>
+                                      </p:to>
+                                    </p:set>
+                                    <p:anim calcmode="lin" valueType="num">
+                                      <p:cBhvr additive="base">
+                                        <p:cTn id="9" dur="500"/>
+                                        <p:tgtEl>
+                                          <p:spTgt spid="3"/>
+                                        </p:tgtEl>
+                                        <p:attrNameLst>
+                                          <p:attrName>ppt_y</p:attrName>
+                                        </p:attrNameLst>
+                                      </p:cBhvr>
+                                      <p:tavLst>
+                                        <p:tav tm="0">
+                                          <p:val>
+                                            <p:strVal val="#ppt_y+#ppt_h*1.125000"/>
+                                          </p:val>
+                                        </p:tav>
+                                        <p:tav tm="100000">
+                                          <p:val>
+                                            <p:strVal val="#ppt_y"/>
+                                          </p:val>
+                                        </p:tav>
+                                      </p:tavLst>
+                                    </p:anim>
+                                    <p:animEffect transition="in" filter="wipe(up)">
+                                      <p:cBhvr>
+                                        <p:cTn id="10" dur="500"/>
+                                        <p:tgtEl>
+                                          <p:spTgt spid="3"/>
+                                        </p:tgtEl>
+                                      </p:cBhvr>
+                                    </p:animEffect>
+                                  </p:childTnLst>
+                                </p:cTn>
+                              </p:par>
+                              <p:par>
+                                <p:cTn id="11" presetID="64" presetClass="path" presetSubtype="0" decel="50000" fill="hold" grpId="1" nodeType="withEffect">
+                                  <p:stCondLst>
+                                    <p:cond delay="0"/>
+                                  </p:stCondLst>
+                                  <p:childTnLst>
+                                    <p:animMotion origin="layout" path="M -0.00052 0.06227 L -1.45833E-6 -2.96296E-6 " pathEditMode="relative" rAng="0" ptsTypes="AA">
+                                      <p:cBhvr>
+                                        <p:cTn id="12" dur="500" fill="hold"/>
+                                        <p:tgtEl>
+                                          <p:spTgt spid="3"/>
+                                        </p:tgtEl>
+                                        <p:attrNameLst>
+                                          <p:attrName>ppt_x</p:attrName>
+                                          <p:attrName>ppt_y</p:attrName>
+                                        </p:attrNameLst>
+                                      </p:cBhvr>
+                                      <p:rCtr x="26" y="-3125"/>
+                                    </p:animMotion>
+                                  </p:childTnLst>
+                                </p:cTn>
+                              </p:par>
+                            </p:childTnLst>
+                          </p:cTn>
+                        </p:par>
+                      </p:childTnLst>
+                    </p:cTn>
+                  </p:par>
+                </p:childTnLst>
+              </p:cTn>
+              <p:prevCondLst>
+                <p:cond evt="onPrev" delay="0">
+                  <p:tgtEl>
+                    <p:sldTgt/>
+                  </p:tgtEl>
+                </p:cond>
+              </p:prevCondLst>
+              <p:nextCondLst>
+                <p:cond evt="onNext" delay="0">
+                  <p:tgtEl>
+                    <p:sldTgt/>
+                  </p:tgtEl>
+                </p:cond>
+              </p:nextCondLst>
+            </p:seq>
+          </p:childTnLst>
+        </p:cTn>
+      </p:par>
+    </p:tnLst>
+    <p:bldLst>
+      <p:bldP spid="2" grpId="0"/>
+      <p:bldP spid="3" grpId="0"/>
+      <p:bldP spid="3" grpId="1"/>
+    </p:bldLst>
+  </p:timing>
+</p:sld>
+</file>
+
 <file path=ppt/slides/slide12.xml><?xml version="1.0" encoding="utf-8"?>
 <p:sld xmlns:a="http://schemas.openxmlformats.org/drawingml/2006/main" xmlns:r="http://schemas.openxmlformats.org/officeDocument/2006/relationships" xmlns:p="http://schemas.openxmlformats.org/presentationml/2006/main">
   <p:cSld>
@@ -7295,7 +7264,7 @@
             <a:pPr algn="l"/>
             <a:r>
               <a:rPr lang="nl-NL" dirty="0" err="1"/>
-              <a:t>Removed</a:t>
+              <a:t>Current</a:t>
             </a:r>
             <a:r>
               <a:rPr lang="nl-NL" dirty="0"/>
@@ -7307,13 +7276,8 @@
             </a:r>
             <a:r>
               <a:rPr lang="nl-NL" dirty="0"/>
-              <a:t> - </a:t>
-            </a:r>
-            <a:r>
-              <a:rPr lang="nl-NL" dirty="0" err="1"/>
-              <a:t>Strategy</a:t>
-            </a:r>
-            <a:endParaRPr lang="nl-NL" dirty="0"/>
+              <a:t> – Adapter</a:t>
+            </a:r>
           </a:p>
         </p:txBody>
       </p:sp>
@@ -7485,67 +7449,6 @@
             </a:lvl9pPr>
           </a:lstStyle>
           <a:p>
-            <a:pPr marL="0" indent="0">
-              <a:buNone/>
-              <a:defRPr/>
-            </a:pPr>
-            <a:r>
-              <a:rPr lang="nl-NL" dirty="0">
-                <a:solidFill>
-                  <a:prstClr val="black"/>
-                </a:solidFill>
-              </a:rPr>
-              <a:t>Scope: </a:t>
-            </a:r>
-            <a:r>
-              <a:rPr lang="nl-NL" dirty="0">
-                <a:solidFill>
-                  <a:prstClr val="black"/>
-                </a:solidFill>
-                <a:latin typeface="Cascadia Code" panose="020B0609020000020004" pitchFamily="49" charset="0"/>
-                <a:cs typeface="Cascadia Code" panose="020B0609020000020004" pitchFamily="49" charset="0"/>
-              </a:rPr>
-              <a:t>mina-</a:t>
-            </a:r>
-            <a:r>
-              <a:rPr lang="nl-NL" dirty="0" err="1">
-                <a:solidFill>
-                  <a:prstClr val="black"/>
-                </a:solidFill>
-                <a:latin typeface="Cascadia Code" panose="020B0609020000020004" pitchFamily="49" charset="0"/>
-                <a:cs typeface="Cascadia Code" panose="020B0609020000020004" pitchFamily="49" charset="0"/>
-              </a:rPr>
-              <a:t>core</a:t>
-            </a:r>
-            <a:r>
-              <a:rPr lang="nl-NL" dirty="0">
-                <a:solidFill>
-                  <a:prstClr val="black"/>
-                </a:solidFill>
-                <a:latin typeface="Cascadia Code" panose="020B0609020000020004" pitchFamily="49" charset="0"/>
-                <a:cs typeface="Cascadia Code" panose="020B0609020000020004" pitchFamily="49" charset="0"/>
-              </a:rPr>
-              <a:t>-</a:t>
-            </a:r>
-            <a:r>
-              <a:rPr lang="nl-NL" dirty="0" err="1">
-                <a:solidFill>
-                  <a:prstClr val="black"/>
-                </a:solidFill>
-                <a:latin typeface="Cascadia Code" panose="020B0609020000020004" pitchFamily="49" charset="0"/>
-                <a:cs typeface="Cascadia Code" panose="020B0609020000020004" pitchFamily="49" charset="0"/>
-              </a:rPr>
-              <a:t>IOService</a:t>
-            </a:r>
-            <a:endParaRPr lang="nl-NL" dirty="0">
-              <a:solidFill>
-                <a:prstClr val="black"/>
-              </a:solidFill>
-              <a:latin typeface="Cascadia Code" panose="020B0609020000020004" pitchFamily="49" charset="0"/>
-              <a:cs typeface="Cascadia Code" panose="020B0609020000020004" pitchFamily="49" charset="0"/>
-            </a:endParaRPr>
-          </a:p>
-          <a:p>
             <a:pPr marL="0" marR="0" lvl="0" indent="0" algn="l" defTabSz="385763" rtl="0" eaLnBrk="1" fontAlgn="auto" latinLnBrk="0" hangingPunct="1">
               <a:lnSpc>
                 <a:spcPct val="100000"/>
@@ -7564,42 +7467,107 @@
               <a:defRPr/>
             </a:pPr>
             <a:r>
-              <a:rPr lang="nl-NL" noProof="0" dirty="0">
-                <a:solidFill>
-                  <a:prstClr val="black"/>
-                </a:solidFill>
-              </a:rPr>
-              <a:t>“</a:t>
-            </a:r>
-            <a:r>
-              <a:rPr lang="nl-NL" noProof="0" dirty="0" err="1">
-                <a:solidFill>
-                  <a:prstClr val="black"/>
-                </a:solidFill>
-              </a:rPr>
-              <a:t>Fundamental</a:t>
-            </a:r>
-            <a:r>
-              <a:rPr lang="nl-NL" dirty="0">
-                <a:solidFill>
-                  <a:prstClr val="black"/>
-                </a:solidFill>
-              </a:rPr>
-              <a:t>” </a:t>
-            </a:r>
-            <a:r>
-              <a:rPr lang="nl-NL" dirty="0" err="1">
-                <a:solidFill>
-                  <a:prstClr val="black"/>
-                </a:solidFill>
-              </a:rPr>
-              <a:t>Pattern</a:t>
-            </a:r>
-            <a:endParaRPr lang="nl-NL" dirty="0">
-              <a:solidFill>
-                <a:prstClr val="black"/>
-              </a:solidFill>
-            </a:endParaRPr>
+              <a:rPr kumimoji="0" lang="nl-NL" sz="2100" b="0" i="0" u="none" strike="noStrike" kern="1200" cap="none" spc="0" normalizeH="0" baseline="0" noProof="0" dirty="0" err="1">
+                <a:ln>
+                  <a:noFill/>
+                </a:ln>
+                <a:solidFill>
+                  <a:prstClr val="black"/>
+                </a:solidFill>
+                <a:effectLst/>
+                <a:uLnTx/>
+                <a:uFillTx/>
+                <a:latin typeface="Segoe UI Semilight" panose="020B0402040204020203" pitchFamily="34" charset="0"/>
+                <a:ea typeface="+mn-ea"/>
+                <a:cs typeface="Segoe UI Semilight" panose="020B0402040204020203" pitchFamily="34" charset="0"/>
+              </a:rPr>
+              <a:t>Incorrectly</a:t>
+            </a:r>
+            <a:r>
+              <a:rPr kumimoji="0" lang="nl-NL" sz="2100" b="0" i="0" u="none" strike="noStrike" kern="1200" cap="none" spc="0" normalizeH="0" baseline="0" noProof="0" dirty="0">
+                <a:ln>
+                  <a:noFill/>
+                </a:ln>
+                <a:solidFill>
+                  <a:prstClr val="black"/>
+                </a:solidFill>
+                <a:effectLst/>
+                <a:uLnTx/>
+                <a:uFillTx/>
+                <a:latin typeface="Segoe UI Semilight" panose="020B0402040204020203" pitchFamily="34" charset="0"/>
+                <a:ea typeface="+mn-ea"/>
+                <a:cs typeface="Segoe UI Semilight" panose="020B0402040204020203" pitchFamily="34" charset="0"/>
+              </a:rPr>
+              <a:t> </a:t>
+            </a:r>
+            <a:r>
+              <a:rPr kumimoji="0" lang="nl-NL" sz="2100" b="0" i="0" u="none" strike="noStrike" kern="1200" cap="none" spc="0" normalizeH="0" baseline="0" noProof="0" dirty="0" err="1">
+                <a:ln>
+                  <a:noFill/>
+                </a:ln>
+                <a:solidFill>
+                  <a:prstClr val="black"/>
+                </a:solidFill>
+                <a:effectLst/>
+                <a:uLnTx/>
+                <a:uFillTx/>
+                <a:latin typeface="Segoe UI Semilight" panose="020B0402040204020203" pitchFamily="34" charset="0"/>
+                <a:ea typeface="+mn-ea"/>
+                <a:cs typeface="Segoe UI Semilight" panose="020B0402040204020203" pitchFamily="34" charset="0"/>
+              </a:rPr>
+              <a:t>detected</a:t>
+            </a:r>
+            <a:r>
+              <a:rPr kumimoji="0" lang="nl-NL" sz="2100" b="0" i="0" u="none" strike="noStrike" kern="1200" cap="none" spc="0" normalizeH="0" noProof="0" dirty="0">
+                <a:ln>
+                  <a:noFill/>
+                </a:ln>
+                <a:solidFill>
+                  <a:prstClr val="black"/>
+                </a:solidFill>
+                <a:effectLst/>
+                <a:uLnTx/>
+                <a:uFillTx/>
+                <a:latin typeface="Segoe UI Semilight" panose="020B0402040204020203" pitchFamily="34" charset="0"/>
+                <a:ea typeface="+mn-ea"/>
+                <a:cs typeface="Segoe UI Semilight" panose="020B0402040204020203" pitchFamily="34" charset="0"/>
+              </a:rPr>
+              <a:t> </a:t>
+            </a:r>
+            <a:r>
+              <a:rPr kumimoji="0" lang="nl-NL" sz="2100" b="0" i="0" u="none" strike="noStrike" kern="1200" cap="none" spc="0" normalizeH="0" noProof="0" dirty="0" err="1">
+                <a:ln>
+                  <a:noFill/>
+                </a:ln>
+                <a:solidFill>
+                  <a:prstClr val="black"/>
+                </a:solidFill>
+                <a:effectLst/>
+                <a:uLnTx/>
+                <a:uFillTx/>
+                <a:latin typeface="Segoe UI Semilight" panose="020B0402040204020203" pitchFamily="34" charset="0"/>
+                <a:ea typeface="+mn-ea"/>
+                <a:cs typeface="Segoe UI Semilight" panose="020B0402040204020203" pitchFamily="34" charset="0"/>
+              </a:rPr>
+              <a:t>by</a:t>
+            </a:r>
+            <a:r>
+              <a:rPr kumimoji="0" lang="nl-NL" sz="2100" b="0" i="0" u="none" strike="noStrike" kern="1200" cap="none" spc="0" normalizeH="0" noProof="0" dirty="0">
+                <a:ln>
+                  <a:noFill/>
+                </a:ln>
+                <a:solidFill>
+                  <a:prstClr val="black"/>
+                </a:solidFill>
+                <a:effectLst/>
+                <a:uLnTx/>
+                <a:uFillTx/>
+                <a:latin typeface="Segoe UI Semilight" panose="020B0402040204020203" pitchFamily="34" charset="0"/>
+                <a:ea typeface="+mn-ea"/>
+                <a:cs typeface="Segoe UI Semilight" panose="020B0402040204020203" pitchFamily="34" charset="0"/>
+              </a:rPr>
+              <a:t> Pinot</a:t>
+            </a:r>
           </a:p>
           <a:p>
             <a:pPr marL="0" marR="0" lvl="0" indent="0" algn="l" defTabSz="385763" rtl="0" eaLnBrk="1" fontAlgn="auto" latinLnBrk="0" hangingPunct="1">
@@ -7620,89 +7588,52 @@
               <a:defRPr/>
             </a:pPr>
             <a:r>
-              <a:rPr kumimoji="0" lang="nl-NL" sz="2100" b="0" i="0" u="none" strike="noStrike" kern="1200" cap="none" spc="0" normalizeH="0" baseline="0" noProof="0" dirty="0" err="1">
-                <a:ln>
-                  <a:noFill/>
-                </a:ln>
-                <a:solidFill>
-                  <a:prstClr val="black"/>
-                </a:solidFill>
-                <a:effectLst/>
-                <a:uLnTx/>
-                <a:uFillTx/>
-                <a:latin typeface="Segoe UI Semilight" panose="020B0402040204020203" pitchFamily="34" charset="0"/>
-                <a:ea typeface="+mn-ea"/>
-                <a:cs typeface="Segoe UI Semilight" panose="020B0402040204020203" pitchFamily="34" charset="0"/>
-              </a:rPr>
-              <a:t>Various</a:t>
-            </a:r>
-            <a:r>
-              <a:rPr kumimoji="0" lang="nl-NL" sz="2100" b="0" i="0" u="none" strike="noStrike" kern="1200" cap="none" spc="0" normalizeH="0" baseline="0" noProof="0" dirty="0">
-                <a:ln>
-                  <a:noFill/>
-                </a:ln>
-                <a:solidFill>
-                  <a:prstClr val="black"/>
-                </a:solidFill>
-                <a:effectLst/>
-                <a:uLnTx/>
-                <a:uFillTx/>
-                <a:latin typeface="Segoe UI Semilight" panose="020B0402040204020203" pitchFamily="34" charset="0"/>
-                <a:ea typeface="+mn-ea"/>
-                <a:cs typeface="Segoe UI Semilight" panose="020B0402040204020203" pitchFamily="34" charset="0"/>
-              </a:rPr>
-              <a:t> changes over time</a:t>
-            </a:r>
-          </a:p>
-          <a:p>
-            <a:pPr marL="0" marR="0" lvl="0" indent="0" algn="l" defTabSz="385763" rtl="0" eaLnBrk="1" fontAlgn="auto" latinLnBrk="0" hangingPunct="1">
-              <a:lnSpc>
-                <a:spcPct val="100000"/>
-              </a:lnSpc>
-              <a:spcBef>
-                <a:spcPct val="20000"/>
-              </a:spcBef>
-              <a:spcAft>
-                <a:spcPts val="0"/>
-              </a:spcAft>
-              <a:buClrTx/>
-              <a:buSzTx/>
-              <a:buFont typeface="Arial" panose="020B0604020202020204" pitchFamily="34" charset="0"/>
-              <a:buNone/>
-              <a:tabLst/>
-              <a:defRPr/>
-            </a:pPr>
-            <a:r>
-              <a:rPr lang="nl-NL" dirty="0">
-                <a:solidFill>
-                  <a:prstClr val="black"/>
-                </a:solidFill>
-              </a:rPr>
-              <a:t>No explicit </a:t>
-            </a:r>
-            <a:r>
-              <a:rPr lang="nl-NL" dirty="0" err="1">
-                <a:solidFill>
-                  <a:prstClr val="black"/>
-                </a:solidFill>
-              </a:rPr>
-              <a:t>discussion</a:t>
-            </a:r>
-            <a:r>
-              <a:rPr lang="nl-NL" dirty="0">
-                <a:solidFill>
-                  <a:prstClr val="black"/>
-                </a:solidFill>
-              </a:rPr>
-              <a:t>/</a:t>
-            </a:r>
-            <a:r>
-              <a:rPr lang="nl-NL" dirty="0" err="1">
-                <a:solidFill>
-                  <a:prstClr val="black"/>
-                </a:solidFill>
-              </a:rPr>
-              <a:t>mention</a:t>
+              <a:rPr lang="nl-NL" noProof="0" dirty="0">
+                <a:solidFill>
+                  <a:prstClr val="black"/>
+                </a:solidFill>
+              </a:rPr>
+              <a:t>The </a:t>
+            </a:r>
+            <a:r>
+              <a:rPr lang="nl-NL" noProof="0" dirty="0" err="1">
+                <a:solidFill>
+                  <a:prstClr val="black"/>
+                </a:solidFill>
+              </a:rPr>
+              <a:t>identified</a:t>
+            </a:r>
+            <a:r>
+              <a:rPr lang="nl-NL" noProof="0" dirty="0">
+                <a:solidFill>
+                  <a:prstClr val="black"/>
+                </a:solidFill>
+              </a:rPr>
+              <a:t> classes are a </a:t>
+            </a:r>
+            <a:r>
+              <a:rPr lang="nl-NL" noProof="0" dirty="0" err="1">
+                <a:solidFill>
+                  <a:prstClr val="black"/>
+                </a:solidFill>
+              </a:rPr>
+              <a:t>Factory</a:t>
+            </a:r>
+            <a:r>
+              <a:rPr lang="nl-NL" noProof="0" dirty="0">
+                <a:solidFill>
+                  <a:prstClr val="black"/>
+                </a:solidFill>
+              </a:rPr>
+              <a:t> </a:t>
+            </a:r>
+            <a:r>
+              <a:rPr lang="nl-NL" noProof="0" dirty="0" err="1">
+                <a:solidFill>
+                  <a:prstClr val="black"/>
+                </a:solidFill>
+              </a:rPr>
+              <a:t>pattern</a:t>
             </a:r>
             <a:endParaRPr kumimoji="0" lang="nl-NL" sz="2100" b="0" i="0" u="none" strike="noStrike" kern="1200" cap="none" spc="0" normalizeH="0" baseline="0" noProof="0" dirty="0">
               <a:ln>
@@ -7724,7 +7655,7 @@
     </p:spTree>
     <p:extLst>
       <p:ext uri="{BB962C8B-B14F-4D97-AF65-F5344CB8AC3E}">
-        <p14:creationId xmlns:p14="http://schemas.microsoft.com/office/powerpoint/2010/main" val="1946459327"/>
+        <p14:creationId xmlns:p14="http://schemas.microsoft.com/office/powerpoint/2010/main" val="1359826853"/>
       </p:ext>
     </p:extLst>
   </p:cSld>
@@ -7953,8 +7884,13 @@
             </a:r>
             <a:r>
               <a:rPr lang="nl-NL" dirty="0"/>
-              <a:t> – Adapter</a:t>
-            </a:r>
+              <a:t> - </a:t>
+            </a:r>
+            <a:r>
+              <a:rPr lang="nl-NL" dirty="0" err="1"/>
+              <a:t>Factory</a:t>
+            </a:r>
+            <a:endParaRPr lang="nl-NL" dirty="0"/>
           </a:p>
         </p:txBody>
       </p:sp>
@@ -7986,7 +7922,7 @@
         </p:spPr>
         <p:txBody>
           <a:bodyPr vert="horz" lIns="91440" tIns="45720" rIns="91440" bIns="45720" rtlCol="0" anchor="t" anchorCtr="0">
-            <a:normAutofit/>
+            <a:normAutofit lnSpcReduction="10000"/>
           </a:bodyPr>
           <a:lstStyle>
             <a:lvl1pPr marL="144661" indent="-144661" algn="l" defTabSz="385763" rtl="0" eaLnBrk="1" latinLnBrk="0" hangingPunct="1">
@@ -8158,10 +8094,10 @@
                 <a:ea typeface="+mn-ea"/>
                 <a:cs typeface="Segoe UI Semilight" panose="020B0402040204020203" pitchFamily="34" charset="0"/>
               </a:rPr>
-              <a:t>Incorrectly</a:t>
-            </a:r>
-            <a:r>
-              <a:rPr kumimoji="0" lang="nl-NL" sz="2100" b="0" i="0" u="none" strike="noStrike" kern="1200" cap="none" spc="0" normalizeH="0" baseline="0" noProof="0" dirty="0">
+              <a:t>Correctly</a:t>
+            </a:r>
+            <a:r>
+              <a:rPr kumimoji="0" lang="nl-NL" sz="2100" b="0" i="0" u="none" strike="noStrike" kern="1200" cap="none" spc="0" normalizeH="0" noProof="0" dirty="0">
                 <a:ln>
                   <a:noFill/>
                 </a:ln>
@@ -8178,7 +8114,7 @@
               <a:t> </a:t>
             </a:r>
             <a:r>
-              <a:rPr kumimoji="0" lang="nl-NL" sz="2100" b="0" i="0" u="none" strike="noStrike" kern="1200" cap="none" spc="0" normalizeH="0" baseline="0" noProof="0" dirty="0" err="1">
+              <a:rPr kumimoji="0" lang="nl-NL" sz="2100" b="0" i="0" u="none" strike="noStrike" kern="1200" cap="none" spc="0" normalizeH="0" noProof="0" dirty="0" err="1">
                 <a:ln>
                   <a:noFill/>
                 </a:ln>
@@ -8194,57 +8130,20 @@
               </a:rPr>
               <a:t>detected</a:t>
             </a:r>
-            <a:r>
-              <a:rPr kumimoji="0" lang="nl-NL" sz="2100" b="0" i="0" u="none" strike="noStrike" kern="1200" cap="none" spc="0" normalizeH="0" noProof="0" dirty="0">
-                <a:ln>
-                  <a:noFill/>
-                </a:ln>
-                <a:solidFill>
-                  <a:prstClr val="black"/>
-                </a:solidFill>
-                <a:effectLst/>
-                <a:uLnTx/>
-                <a:uFillTx/>
-                <a:latin typeface="Segoe UI Semilight" panose="020B0402040204020203" pitchFamily="34" charset="0"/>
-                <a:ea typeface="+mn-ea"/>
-                <a:cs typeface="Segoe UI Semilight" panose="020B0402040204020203" pitchFamily="34" charset="0"/>
-              </a:rPr>
-              <a:t> </a:t>
-            </a:r>
-            <a:r>
-              <a:rPr kumimoji="0" lang="nl-NL" sz="2100" b="0" i="0" u="none" strike="noStrike" kern="1200" cap="none" spc="0" normalizeH="0" noProof="0" dirty="0" err="1">
-                <a:ln>
-                  <a:noFill/>
-                </a:ln>
-                <a:solidFill>
-                  <a:prstClr val="black"/>
-                </a:solidFill>
-                <a:effectLst/>
-                <a:uLnTx/>
-                <a:uFillTx/>
-                <a:latin typeface="Segoe UI Semilight" panose="020B0402040204020203" pitchFamily="34" charset="0"/>
-                <a:ea typeface="+mn-ea"/>
-                <a:cs typeface="Segoe UI Semilight" panose="020B0402040204020203" pitchFamily="34" charset="0"/>
-              </a:rPr>
-              <a:t>by</a:t>
-            </a:r>
-            <a:r>
-              <a:rPr kumimoji="0" lang="nl-NL" sz="2100" b="0" i="0" u="none" strike="noStrike" kern="1200" cap="none" spc="0" normalizeH="0" noProof="0" dirty="0">
-                <a:ln>
-                  <a:noFill/>
-                </a:ln>
-                <a:solidFill>
-                  <a:prstClr val="black"/>
-                </a:solidFill>
-                <a:effectLst/>
-                <a:uLnTx/>
-                <a:uFillTx/>
-                <a:latin typeface="Segoe UI Semilight" panose="020B0402040204020203" pitchFamily="34" charset="0"/>
-                <a:ea typeface="+mn-ea"/>
-                <a:cs typeface="Segoe UI Semilight" panose="020B0402040204020203" pitchFamily="34" charset="0"/>
-              </a:rPr>
-              <a:t> Pinot</a:t>
-            </a:r>
+            <a:endParaRPr kumimoji="0" lang="nl-NL" sz="2100" b="0" i="0" u="none" strike="noStrike" kern="1200" cap="none" spc="0" normalizeH="0" noProof="0" dirty="0">
+              <a:ln>
+                <a:noFill/>
+              </a:ln>
+              <a:solidFill>
+                <a:prstClr val="black"/>
+              </a:solidFill>
+              <a:effectLst/>
+              <a:uLnTx/>
+              <a:uFillTx/>
+              <a:latin typeface="Segoe UI Semilight" panose="020B0402040204020203" pitchFamily="34" charset="0"/>
+              <a:ea typeface="+mn-ea"/>
+              <a:cs typeface="Segoe UI Semilight" panose="020B0402040204020203" pitchFamily="34" charset="0"/>
+            </a:endParaRPr>
           </a:p>
           <a:p>
             <a:pPr marL="0" marR="0" lvl="0" indent="0" algn="l" defTabSz="385763" rtl="0" eaLnBrk="1" fontAlgn="auto" latinLnBrk="0" hangingPunct="1">
@@ -8265,52 +8164,258 @@
               <a:defRPr/>
             </a:pPr>
             <a:r>
-              <a:rPr lang="nl-NL" noProof="0" dirty="0">
-                <a:solidFill>
-                  <a:prstClr val="black"/>
-                </a:solidFill>
-              </a:rPr>
-              <a:t>The </a:t>
-            </a:r>
-            <a:r>
-              <a:rPr lang="nl-NL" noProof="0" dirty="0" err="1">
-                <a:solidFill>
-                  <a:prstClr val="black"/>
-                </a:solidFill>
-              </a:rPr>
-              <a:t>identified</a:t>
-            </a:r>
-            <a:r>
-              <a:rPr lang="nl-NL" noProof="0" dirty="0">
-                <a:solidFill>
-                  <a:prstClr val="black"/>
-                </a:solidFill>
-              </a:rPr>
-              <a:t> classes are a </a:t>
-            </a:r>
-            <a:r>
-              <a:rPr lang="nl-NL" noProof="0" dirty="0" err="1">
-                <a:solidFill>
-                  <a:prstClr val="black"/>
-                </a:solidFill>
+              <a:rPr lang="nl-NL" baseline="0" dirty="0" err="1">
+                <a:solidFill>
+                  <a:prstClr val="black"/>
+                </a:solidFill>
+              </a:rPr>
+              <a:t>Used</a:t>
+            </a:r>
+            <a:r>
+              <a:rPr lang="nl-NL" dirty="0">
+                <a:solidFill>
+                  <a:prstClr val="black"/>
+                </a:solidFill>
+              </a:rPr>
+              <a:t> </a:t>
+            </a:r>
+            <a:r>
+              <a:rPr lang="nl-NL" dirty="0" err="1">
+                <a:solidFill>
+                  <a:prstClr val="black"/>
+                </a:solidFill>
+              </a:rPr>
+              <a:t>throughout</a:t>
+            </a:r>
+            <a:r>
+              <a:rPr lang="nl-NL" dirty="0">
+                <a:solidFill>
+                  <a:prstClr val="black"/>
+                </a:solidFill>
+              </a:rPr>
+              <a:t> codebase – state-machine, </a:t>
+            </a:r>
+            <a:r>
+              <a:rPr lang="nl-NL" dirty="0" err="1">
+                <a:solidFill>
+                  <a:prstClr val="black"/>
+                </a:solidFill>
+              </a:rPr>
+              <a:t>integration</a:t>
+            </a:r>
+            <a:r>
+              <a:rPr lang="nl-NL" dirty="0">
+                <a:solidFill>
+                  <a:prstClr val="black"/>
+                </a:solidFill>
+              </a:rPr>
+              <a:t>, </a:t>
+            </a:r>
+            <a:r>
+              <a:rPr lang="nl-NL" dirty="0">
+                <a:solidFill>
+                  <a:prstClr val="black"/>
+                </a:solidFill>
+                <a:latin typeface="Segoe UI" panose="020B0502040204020203" pitchFamily="34" charset="0"/>
+                <a:cs typeface="Segoe UI" panose="020B0502040204020203" pitchFamily="34" charset="0"/>
+              </a:rPr>
+              <a:t>filtering</a:t>
+            </a:r>
+            <a:r>
+              <a:rPr lang="nl-NL" dirty="0">
+                <a:solidFill>
+                  <a:prstClr val="black"/>
+                </a:solidFill>
+              </a:rPr>
+              <a:t>, transport</a:t>
+            </a:r>
+          </a:p>
+          <a:p>
+            <a:pPr marL="0" marR="0" lvl="0" indent="0" algn="l" defTabSz="385763" rtl="0" eaLnBrk="1" fontAlgn="auto" latinLnBrk="0" hangingPunct="1">
+              <a:lnSpc>
+                <a:spcPct val="100000"/>
+              </a:lnSpc>
+              <a:spcBef>
+                <a:spcPct val="20000"/>
+              </a:spcBef>
+              <a:spcAft>
+                <a:spcPts val="0"/>
+              </a:spcAft>
+              <a:buClrTx/>
+              <a:buSzTx/>
+              <a:buFont typeface="Arial" panose="020B0604020202020204" pitchFamily="34" charset="0"/>
+              <a:buNone/>
+              <a:tabLst/>
+              <a:defRPr/>
+            </a:pPr>
+            <a:r>
+              <a:rPr lang="nl-NL" dirty="0" err="1">
+                <a:solidFill>
+                  <a:prstClr val="black"/>
+                </a:solidFill>
+              </a:rPr>
+              <a:t>One</a:t>
+            </a:r>
+            <a:r>
+              <a:rPr lang="nl-NL" dirty="0">
+                <a:solidFill>
+                  <a:prstClr val="black"/>
+                </a:solidFill>
+              </a:rPr>
+              <a:t> of most-</a:t>
+            </a:r>
+            <a:r>
+              <a:rPr lang="nl-NL" dirty="0" err="1">
+                <a:solidFill>
+                  <a:prstClr val="black"/>
+                </a:solidFill>
+              </a:rPr>
+              <a:t>used</a:t>
+            </a:r>
+            <a:r>
+              <a:rPr lang="nl-NL" dirty="0">
+                <a:solidFill>
+                  <a:prstClr val="black"/>
+                </a:solidFill>
+              </a:rPr>
+              <a:t> </a:t>
+            </a:r>
+            <a:r>
+              <a:rPr lang="nl-NL" dirty="0" err="1">
+                <a:solidFill>
+                  <a:prstClr val="black"/>
+                </a:solidFill>
+              </a:rPr>
+              <a:t>patterns</a:t>
+            </a:r>
+            <a:r>
+              <a:rPr lang="nl-NL" dirty="0">
+                <a:solidFill>
+                  <a:prstClr val="black"/>
+                </a:solidFill>
+              </a:rPr>
+              <a:t> in OOP</a:t>
+            </a:r>
+          </a:p>
+          <a:p>
+            <a:pPr marL="0" marR="0" lvl="0" indent="0" algn="l" defTabSz="385763" rtl="0" eaLnBrk="1" fontAlgn="auto" latinLnBrk="0" hangingPunct="1">
+              <a:lnSpc>
+                <a:spcPct val="100000"/>
+              </a:lnSpc>
+              <a:spcBef>
+                <a:spcPct val="20000"/>
+              </a:spcBef>
+              <a:spcAft>
+                <a:spcPts val="0"/>
+              </a:spcAft>
+              <a:buClrTx/>
+              <a:buSzTx/>
+              <a:buFont typeface="Arial" panose="020B0604020202020204" pitchFamily="34" charset="0"/>
+              <a:buNone/>
+              <a:tabLst/>
+              <a:defRPr/>
+            </a:pPr>
+            <a:r>
+              <a:rPr kumimoji="0" lang="nl-NL" sz="2100" b="0" i="0" u="none" strike="noStrike" kern="1200" cap="none" spc="0" normalizeH="0" baseline="0" noProof="0" dirty="0">
+                <a:ln>
+                  <a:noFill/>
+                </a:ln>
+                <a:solidFill>
+                  <a:prstClr val="black"/>
+                </a:solidFill>
+                <a:effectLst/>
+                <a:uLnTx/>
+                <a:uFillTx/>
+                <a:latin typeface="Segoe UI Semilight" panose="020B0402040204020203" pitchFamily="34" charset="0"/>
+                <a:ea typeface="+mn-ea"/>
+                <a:cs typeface="Segoe UI Semilight" panose="020B0402040204020203" pitchFamily="34" charset="0"/>
+              </a:rPr>
+              <a:t>Developers </a:t>
+            </a:r>
+            <a:r>
+              <a:rPr kumimoji="0" lang="nl-NL" sz="2100" b="0" i="0" u="none" strike="noStrike" kern="1200" cap="none" spc="0" normalizeH="0" baseline="0" noProof="0" dirty="0" err="1">
+                <a:ln>
+                  <a:noFill/>
+                </a:ln>
+                <a:solidFill>
+                  <a:prstClr val="black"/>
+                </a:solidFill>
+                <a:effectLst/>
+                <a:uLnTx/>
+                <a:uFillTx/>
+                <a:latin typeface="Segoe UI Semilight" panose="020B0402040204020203" pitchFamily="34" charset="0"/>
+                <a:ea typeface="+mn-ea"/>
+                <a:cs typeface="Segoe UI Semilight" panose="020B0402040204020203" pitchFamily="34" charset="0"/>
+              </a:rPr>
+              <a:t>discussed</a:t>
+            </a:r>
+            <a:r>
+              <a:rPr kumimoji="0" lang="nl-NL" sz="2100" b="0" i="0" u="none" strike="noStrike" kern="1200" cap="none" spc="0" normalizeH="0" noProof="0" dirty="0">
+                <a:ln>
+                  <a:noFill/>
+                </a:ln>
+                <a:solidFill>
+                  <a:prstClr val="black"/>
+                </a:solidFill>
+                <a:effectLst/>
+                <a:uLnTx/>
+                <a:uFillTx/>
+                <a:latin typeface="Segoe UI Semilight" panose="020B0402040204020203" pitchFamily="34" charset="0"/>
+                <a:ea typeface="+mn-ea"/>
+                <a:cs typeface="Segoe UI Semilight" panose="020B0402040204020203" pitchFamily="34" charset="0"/>
+              </a:rPr>
+              <a:t> </a:t>
+            </a:r>
+            <a:r>
+              <a:rPr kumimoji="0" lang="nl-NL" sz="2100" b="0" i="0" u="none" strike="noStrike" kern="1200" cap="none" spc="0" normalizeH="0" noProof="0" dirty="0" err="1">
+                <a:ln>
+                  <a:noFill/>
+                </a:ln>
+                <a:solidFill>
+                  <a:prstClr val="black"/>
+                </a:solidFill>
+                <a:effectLst/>
+                <a:uLnTx/>
+                <a:uFillTx/>
+                <a:latin typeface="Segoe UI Semilight" panose="020B0402040204020203" pitchFamily="34" charset="0"/>
+                <a:ea typeface="+mn-ea"/>
+                <a:cs typeface="Segoe UI Semilight" panose="020B0402040204020203" pitchFamily="34" charset="0"/>
               </a:rPr>
               <a:t>Factory</a:t>
             </a:r>
             <a:r>
-              <a:rPr lang="nl-NL" noProof="0" dirty="0">
-                <a:solidFill>
-                  <a:prstClr val="black"/>
-                </a:solidFill>
+              <a:rPr kumimoji="0" lang="nl-NL" sz="2100" b="0" i="0" u="none" strike="noStrike" kern="1200" cap="none" spc="0" normalizeH="0" noProof="0" dirty="0">
+                <a:ln>
+                  <a:noFill/>
+                </a:ln>
+                <a:solidFill>
+                  <a:prstClr val="black"/>
+                </a:solidFill>
+                <a:effectLst/>
+                <a:uLnTx/>
+                <a:uFillTx/>
+                <a:latin typeface="Segoe UI Semilight" panose="020B0402040204020203" pitchFamily="34" charset="0"/>
+                <a:ea typeface="+mn-ea"/>
+                <a:cs typeface="Segoe UI Semilight" panose="020B0402040204020203" pitchFamily="34" charset="0"/>
               </a:rPr>
               <a:t> </a:t>
             </a:r>
             <a:r>
-              <a:rPr lang="nl-NL" noProof="0" dirty="0" err="1">
-                <a:solidFill>
-                  <a:prstClr val="black"/>
-                </a:solidFill>
-              </a:rPr>
-              <a:t>pattern</a:t>
+              <a:rPr kumimoji="0" lang="nl-NL" sz="2100" b="0" i="0" u="none" strike="noStrike" kern="1200" cap="none" spc="0" normalizeH="0" noProof="0" dirty="0" err="1">
+                <a:ln>
+                  <a:noFill/>
+                </a:ln>
+                <a:solidFill>
+                  <a:prstClr val="black"/>
+                </a:solidFill>
+                <a:effectLst/>
+                <a:uLnTx/>
+                <a:uFillTx/>
+                <a:latin typeface="Segoe UI Semilight" panose="020B0402040204020203" pitchFamily="34" charset="0"/>
+                <a:ea typeface="+mn-ea"/>
+                <a:cs typeface="Segoe UI Semilight" panose="020B0402040204020203" pitchFamily="34" charset="0"/>
+              </a:rPr>
+              <a:t>usage</a:t>
             </a:r>
             <a:endParaRPr kumimoji="0" lang="nl-NL" sz="2100" b="0" i="0" u="none" strike="noStrike" kern="1200" cap="none" spc="0" normalizeH="0" baseline="0" noProof="0" dirty="0">
               <a:ln>
@@ -8332,7 +8437,7 @@
     </p:spTree>
     <p:extLst>
       <p:ext uri="{BB962C8B-B14F-4D97-AF65-F5344CB8AC3E}">
-        <p14:creationId xmlns:p14="http://schemas.microsoft.com/office/powerpoint/2010/main" val="1359826853"/>
+        <p14:creationId xmlns:p14="http://schemas.microsoft.com/office/powerpoint/2010/main" val="4030120142"/>
       </p:ext>
     </p:extLst>
   </p:cSld>
@@ -8549,788 +8654,6 @@
             <a:pPr algn="l"/>
             <a:r>
               <a:rPr lang="nl-NL" dirty="0" err="1"/>
-              <a:t>Current</a:t>
-            </a:r>
-            <a:r>
-              <a:rPr lang="nl-NL" dirty="0"/>
-              <a:t> </a:t>
-            </a:r>
-            <a:r>
-              <a:rPr lang="nl-NL" dirty="0" err="1"/>
-              <a:t>Pattern</a:t>
-            </a:r>
-            <a:r>
-              <a:rPr lang="nl-NL" dirty="0"/>
-              <a:t> - </a:t>
-            </a:r>
-            <a:r>
-              <a:rPr lang="nl-NL" dirty="0" err="1"/>
-              <a:t>Factory</a:t>
-            </a:r>
-            <a:endParaRPr lang="nl-NL" dirty="0"/>
-          </a:p>
-        </p:txBody>
-      </p:sp>
-      <p:sp>
-        <p:nvSpPr>
-          <p:cNvPr id="3" name="Tijdelijke aanduiding voor inhoud 2">
-            <a:extLst>
-              <a:ext uri="{FF2B5EF4-FFF2-40B4-BE49-F238E27FC236}">
-                <a16:creationId xmlns:a16="http://schemas.microsoft.com/office/drawing/2014/main" id="{96436896-865D-4BB5-A20E-23198F411869}"/>
-              </a:ext>
-            </a:extLst>
-          </p:cNvPr>
-          <p:cNvSpPr txBox="1">
-            <a:spLocks/>
-          </p:cNvSpPr>
-          <p:nvPr/>
-        </p:nvSpPr>
-        <p:spPr>
-          <a:xfrm>
-            <a:off x="3220212" y="2970559"/>
-            <a:ext cx="6839500" cy="1868141"/>
-          </a:xfrm>
-          <a:prstGeom prst="rect">
-            <a:avLst/>
-          </a:prstGeom>
-          <a:ln>
-            <a:noFill/>
-          </a:ln>
-        </p:spPr>
-        <p:txBody>
-          <a:bodyPr vert="horz" lIns="91440" tIns="45720" rIns="91440" bIns="45720" rtlCol="0" anchor="t" anchorCtr="0">
-            <a:normAutofit lnSpcReduction="10000"/>
-          </a:bodyPr>
-          <a:lstStyle>
-            <a:lvl1pPr marL="144661" indent="-144661" algn="l" defTabSz="385763" rtl="0" eaLnBrk="1" latinLnBrk="0" hangingPunct="1">
-              <a:spcBef>
-                <a:spcPct val="20000"/>
-              </a:spcBef>
-              <a:buFont typeface="Arial" panose="020B0604020202020204" pitchFamily="34" charset="0"/>
-              <a:buChar char="•"/>
-              <a:defRPr sz="2100" kern="1200">
-                <a:solidFill>
-                  <a:schemeClr val="tx1"/>
-                </a:solidFill>
-                <a:latin typeface="Segoe UI Semilight" panose="020B0402040204020203" pitchFamily="34" charset="0"/>
-                <a:ea typeface="+mn-ea"/>
-                <a:cs typeface="Segoe UI Semilight" panose="020B0402040204020203" pitchFamily="34" charset="0"/>
-              </a:defRPr>
-            </a:lvl1pPr>
-            <a:lvl2pPr marL="313433" indent="-120551" algn="l" defTabSz="385763" rtl="0" eaLnBrk="1" latinLnBrk="0" hangingPunct="1">
-              <a:spcBef>
-                <a:spcPct val="20000"/>
-              </a:spcBef>
-              <a:buFont typeface="Arial" panose="020B0604020202020204" pitchFamily="34" charset="0"/>
-              <a:buChar char="–"/>
-              <a:defRPr sz="1800" kern="1200">
-                <a:solidFill>
-                  <a:schemeClr val="tx1"/>
-                </a:solidFill>
-                <a:latin typeface="Segoe UI Semilight" panose="020B0402040204020203" pitchFamily="34" charset="0"/>
-                <a:ea typeface="+mn-ea"/>
-                <a:cs typeface="Segoe UI Semilight" panose="020B0402040204020203" pitchFamily="34" charset="0"/>
-              </a:defRPr>
-            </a:lvl2pPr>
-            <a:lvl3pPr marL="482204" indent="-96441" algn="l" defTabSz="385763" rtl="0" eaLnBrk="1" latinLnBrk="0" hangingPunct="1">
-              <a:spcBef>
-                <a:spcPct val="20000"/>
-              </a:spcBef>
-              <a:buFont typeface="Arial" panose="020B0604020202020204" pitchFamily="34" charset="0"/>
-              <a:buChar char="•"/>
-              <a:defRPr sz="1500" kern="1200">
-                <a:solidFill>
-                  <a:schemeClr val="tx1"/>
-                </a:solidFill>
-                <a:latin typeface="Segoe UI Semilight" panose="020B0402040204020203" pitchFamily="34" charset="0"/>
-                <a:ea typeface="+mn-ea"/>
-                <a:cs typeface="Segoe UI Semilight" panose="020B0402040204020203" pitchFamily="34" charset="0"/>
-              </a:defRPr>
-            </a:lvl3pPr>
-            <a:lvl4pPr marL="675085" indent="-96441" algn="l" defTabSz="385763" rtl="0" eaLnBrk="1" latinLnBrk="0" hangingPunct="1">
-              <a:spcBef>
-                <a:spcPct val="20000"/>
-              </a:spcBef>
-              <a:buFont typeface="Arial" panose="020B0604020202020204" pitchFamily="34" charset="0"/>
-              <a:buChar char="–"/>
-              <a:defRPr sz="1350" kern="1200">
-                <a:solidFill>
-                  <a:schemeClr val="tx1"/>
-                </a:solidFill>
-                <a:latin typeface="Segoe UI Semilight" panose="020B0402040204020203" pitchFamily="34" charset="0"/>
-                <a:ea typeface="+mn-ea"/>
-                <a:cs typeface="Segoe UI Semilight" panose="020B0402040204020203" pitchFamily="34" charset="0"/>
-              </a:defRPr>
-            </a:lvl4pPr>
-            <a:lvl5pPr marL="867966" indent="-96441" algn="l" defTabSz="385763" rtl="0" eaLnBrk="1" latinLnBrk="0" hangingPunct="1">
-              <a:spcBef>
-                <a:spcPct val="20000"/>
-              </a:spcBef>
-              <a:buFont typeface="Arial" panose="020B0604020202020204" pitchFamily="34" charset="0"/>
-              <a:buChar char="»"/>
-              <a:defRPr sz="1350" kern="1200">
-                <a:solidFill>
-                  <a:schemeClr val="tx1"/>
-                </a:solidFill>
-                <a:latin typeface="Segoe UI Semilight" panose="020B0402040204020203" pitchFamily="34" charset="0"/>
-                <a:ea typeface="+mn-ea"/>
-                <a:cs typeface="Segoe UI Semilight" panose="020B0402040204020203" pitchFamily="34" charset="0"/>
-              </a:defRPr>
-            </a:lvl5pPr>
-            <a:lvl6pPr marL="1060847" indent="-96441" algn="l" defTabSz="385763" rtl="0" eaLnBrk="1" latinLnBrk="0" hangingPunct="1">
-              <a:spcBef>
-                <a:spcPct val="20000"/>
-              </a:spcBef>
-              <a:buFont typeface="Arial" panose="020B0604020202020204" pitchFamily="34" charset="0"/>
-              <a:buChar char="•"/>
-              <a:defRPr sz="844" kern="1200">
-                <a:solidFill>
-                  <a:schemeClr val="tx1"/>
-                </a:solidFill>
-                <a:latin typeface="+mn-lt"/>
-                <a:ea typeface="+mn-ea"/>
-                <a:cs typeface="+mn-cs"/>
-              </a:defRPr>
-            </a:lvl6pPr>
-            <a:lvl7pPr marL="1253729" indent="-96441" algn="l" defTabSz="385763" rtl="0" eaLnBrk="1" latinLnBrk="0" hangingPunct="1">
-              <a:spcBef>
-                <a:spcPct val="20000"/>
-              </a:spcBef>
-              <a:buFont typeface="Arial" panose="020B0604020202020204" pitchFamily="34" charset="0"/>
-              <a:buChar char="•"/>
-              <a:defRPr sz="844" kern="1200">
-                <a:solidFill>
-                  <a:schemeClr val="tx1"/>
-                </a:solidFill>
-                <a:latin typeface="+mn-lt"/>
-                <a:ea typeface="+mn-ea"/>
-                <a:cs typeface="+mn-cs"/>
-              </a:defRPr>
-            </a:lvl7pPr>
-            <a:lvl8pPr marL="1446610" indent="-96441" algn="l" defTabSz="385763" rtl="0" eaLnBrk="1" latinLnBrk="0" hangingPunct="1">
-              <a:spcBef>
-                <a:spcPct val="20000"/>
-              </a:spcBef>
-              <a:buFont typeface="Arial" panose="020B0604020202020204" pitchFamily="34" charset="0"/>
-              <a:buChar char="•"/>
-              <a:defRPr sz="844" kern="1200">
-                <a:solidFill>
-                  <a:schemeClr val="tx1"/>
-                </a:solidFill>
-                <a:latin typeface="+mn-lt"/>
-                <a:ea typeface="+mn-ea"/>
-                <a:cs typeface="+mn-cs"/>
-              </a:defRPr>
-            </a:lvl8pPr>
-            <a:lvl9pPr marL="1639491" indent="-96441" algn="l" defTabSz="385763" rtl="0" eaLnBrk="1" latinLnBrk="0" hangingPunct="1">
-              <a:spcBef>
-                <a:spcPct val="20000"/>
-              </a:spcBef>
-              <a:buFont typeface="Arial" panose="020B0604020202020204" pitchFamily="34" charset="0"/>
-              <a:buChar char="•"/>
-              <a:defRPr sz="844" kern="1200">
-                <a:solidFill>
-                  <a:schemeClr val="tx1"/>
-                </a:solidFill>
-                <a:latin typeface="+mn-lt"/>
-                <a:ea typeface="+mn-ea"/>
-                <a:cs typeface="+mn-cs"/>
-              </a:defRPr>
-            </a:lvl9pPr>
-          </a:lstStyle>
-          <a:p>
-            <a:pPr marL="0" marR="0" lvl="0" indent="0" algn="l" defTabSz="385763" rtl="0" eaLnBrk="1" fontAlgn="auto" latinLnBrk="0" hangingPunct="1">
-              <a:lnSpc>
-                <a:spcPct val="100000"/>
-              </a:lnSpc>
-              <a:spcBef>
-                <a:spcPct val="20000"/>
-              </a:spcBef>
-              <a:spcAft>
-                <a:spcPts val="0"/>
-              </a:spcAft>
-              <a:buClrTx/>
-              <a:buSzTx/>
-              <a:buFont typeface="Arial" panose="020B0604020202020204" pitchFamily="34" charset="0"/>
-              <a:buNone/>
-              <a:tabLst/>
-              <a:defRPr/>
-            </a:pPr>
-            <a:r>
-              <a:rPr kumimoji="0" lang="nl-NL" sz="2100" b="0" i="0" u="none" strike="noStrike" kern="1200" cap="none" spc="0" normalizeH="0" baseline="0" noProof="0" dirty="0" err="1">
-                <a:ln>
-                  <a:noFill/>
-                </a:ln>
-                <a:solidFill>
-                  <a:prstClr val="black"/>
-                </a:solidFill>
-                <a:effectLst/>
-                <a:uLnTx/>
-                <a:uFillTx/>
-                <a:latin typeface="Segoe UI Semilight" panose="020B0402040204020203" pitchFamily="34" charset="0"/>
-                <a:ea typeface="+mn-ea"/>
-                <a:cs typeface="Segoe UI Semilight" panose="020B0402040204020203" pitchFamily="34" charset="0"/>
-              </a:rPr>
-              <a:t>Correctly</a:t>
-            </a:r>
-            <a:r>
-              <a:rPr kumimoji="0" lang="nl-NL" sz="2100" b="0" i="0" u="none" strike="noStrike" kern="1200" cap="none" spc="0" normalizeH="0" noProof="0" dirty="0">
-                <a:ln>
-                  <a:noFill/>
-                </a:ln>
-                <a:solidFill>
-                  <a:prstClr val="black"/>
-                </a:solidFill>
-                <a:effectLst/>
-                <a:uLnTx/>
-                <a:uFillTx/>
-                <a:latin typeface="Segoe UI Semilight" panose="020B0402040204020203" pitchFamily="34" charset="0"/>
-                <a:ea typeface="+mn-ea"/>
-                <a:cs typeface="Segoe UI Semilight" panose="020B0402040204020203" pitchFamily="34" charset="0"/>
-              </a:rPr>
-              <a:t> </a:t>
-            </a:r>
-            <a:r>
-              <a:rPr kumimoji="0" lang="nl-NL" sz="2100" b="0" i="0" u="none" strike="noStrike" kern="1200" cap="none" spc="0" normalizeH="0" noProof="0" dirty="0" err="1">
-                <a:ln>
-                  <a:noFill/>
-                </a:ln>
-                <a:solidFill>
-                  <a:prstClr val="black"/>
-                </a:solidFill>
-                <a:effectLst/>
-                <a:uLnTx/>
-                <a:uFillTx/>
-                <a:latin typeface="Segoe UI Semilight" panose="020B0402040204020203" pitchFamily="34" charset="0"/>
-                <a:ea typeface="+mn-ea"/>
-                <a:cs typeface="Segoe UI Semilight" panose="020B0402040204020203" pitchFamily="34" charset="0"/>
-              </a:rPr>
-              <a:t>detected</a:t>
-            </a:r>
-            <a:endParaRPr kumimoji="0" lang="nl-NL" sz="2100" b="0" i="0" u="none" strike="noStrike" kern="1200" cap="none" spc="0" normalizeH="0" noProof="0" dirty="0">
-              <a:ln>
-                <a:noFill/>
-              </a:ln>
-              <a:solidFill>
-                <a:prstClr val="black"/>
-              </a:solidFill>
-              <a:effectLst/>
-              <a:uLnTx/>
-              <a:uFillTx/>
-              <a:latin typeface="Segoe UI Semilight" panose="020B0402040204020203" pitchFamily="34" charset="0"/>
-              <a:ea typeface="+mn-ea"/>
-              <a:cs typeface="Segoe UI Semilight" panose="020B0402040204020203" pitchFamily="34" charset="0"/>
-            </a:endParaRPr>
-          </a:p>
-          <a:p>
-            <a:pPr marL="0" marR="0" lvl="0" indent="0" algn="l" defTabSz="385763" rtl="0" eaLnBrk="1" fontAlgn="auto" latinLnBrk="0" hangingPunct="1">
-              <a:lnSpc>
-                <a:spcPct val="100000"/>
-              </a:lnSpc>
-              <a:spcBef>
-                <a:spcPct val="20000"/>
-              </a:spcBef>
-              <a:spcAft>
-                <a:spcPts val="0"/>
-              </a:spcAft>
-              <a:buClrTx/>
-              <a:buSzTx/>
-              <a:buFont typeface="Arial" panose="020B0604020202020204" pitchFamily="34" charset="0"/>
-              <a:buNone/>
-              <a:tabLst/>
-              <a:defRPr/>
-            </a:pPr>
-            <a:r>
-              <a:rPr lang="nl-NL" baseline="0" dirty="0" err="1">
-                <a:solidFill>
-                  <a:prstClr val="black"/>
-                </a:solidFill>
-              </a:rPr>
-              <a:t>Used</a:t>
-            </a:r>
-            <a:r>
-              <a:rPr lang="nl-NL" dirty="0">
-                <a:solidFill>
-                  <a:prstClr val="black"/>
-                </a:solidFill>
-              </a:rPr>
-              <a:t> </a:t>
-            </a:r>
-            <a:r>
-              <a:rPr lang="nl-NL" dirty="0" err="1">
-                <a:solidFill>
-                  <a:prstClr val="black"/>
-                </a:solidFill>
-              </a:rPr>
-              <a:t>throughout</a:t>
-            </a:r>
-            <a:r>
-              <a:rPr lang="nl-NL" dirty="0">
-                <a:solidFill>
-                  <a:prstClr val="black"/>
-                </a:solidFill>
-              </a:rPr>
-              <a:t> codebase – state-machine, </a:t>
-            </a:r>
-            <a:r>
-              <a:rPr lang="nl-NL" dirty="0" err="1">
-                <a:solidFill>
-                  <a:prstClr val="black"/>
-                </a:solidFill>
-              </a:rPr>
-              <a:t>integration</a:t>
-            </a:r>
-            <a:r>
-              <a:rPr lang="nl-NL" dirty="0">
-                <a:solidFill>
-                  <a:prstClr val="black"/>
-                </a:solidFill>
-              </a:rPr>
-              <a:t>, </a:t>
-            </a:r>
-            <a:r>
-              <a:rPr lang="nl-NL" dirty="0">
-                <a:solidFill>
-                  <a:prstClr val="black"/>
-                </a:solidFill>
-                <a:latin typeface="Segoe UI" panose="020B0502040204020203" pitchFamily="34" charset="0"/>
-                <a:cs typeface="Segoe UI" panose="020B0502040204020203" pitchFamily="34" charset="0"/>
-              </a:rPr>
-              <a:t>filtering</a:t>
-            </a:r>
-            <a:r>
-              <a:rPr lang="nl-NL" dirty="0">
-                <a:solidFill>
-                  <a:prstClr val="black"/>
-                </a:solidFill>
-              </a:rPr>
-              <a:t>, transport</a:t>
-            </a:r>
-          </a:p>
-          <a:p>
-            <a:pPr marL="0" marR="0" lvl="0" indent="0" algn="l" defTabSz="385763" rtl="0" eaLnBrk="1" fontAlgn="auto" latinLnBrk="0" hangingPunct="1">
-              <a:lnSpc>
-                <a:spcPct val="100000"/>
-              </a:lnSpc>
-              <a:spcBef>
-                <a:spcPct val="20000"/>
-              </a:spcBef>
-              <a:spcAft>
-                <a:spcPts val="0"/>
-              </a:spcAft>
-              <a:buClrTx/>
-              <a:buSzTx/>
-              <a:buFont typeface="Arial" panose="020B0604020202020204" pitchFamily="34" charset="0"/>
-              <a:buNone/>
-              <a:tabLst/>
-              <a:defRPr/>
-            </a:pPr>
-            <a:r>
-              <a:rPr lang="nl-NL" dirty="0" err="1">
-                <a:solidFill>
-                  <a:prstClr val="black"/>
-                </a:solidFill>
-              </a:rPr>
-              <a:t>One</a:t>
-            </a:r>
-            <a:r>
-              <a:rPr lang="nl-NL" dirty="0">
-                <a:solidFill>
-                  <a:prstClr val="black"/>
-                </a:solidFill>
-              </a:rPr>
-              <a:t> of most-</a:t>
-            </a:r>
-            <a:r>
-              <a:rPr lang="nl-NL" dirty="0" err="1">
-                <a:solidFill>
-                  <a:prstClr val="black"/>
-                </a:solidFill>
-              </a:rPr>
-              <a:t>used</a:t>
-            </a:r>
-            <a:r>
-              <a:rPr lang="nl-NL" dirty="0">
-                <a:solidFill>
-                  <a:prstClr val="black"/>
-                </a:solidFill>
-              </a:rPr>
-              <a:t> </a:t>
-            </a:r>
-            <a:r>
-              <a:rPr lang="nl-NL" dirty="0" err="1">
-                <a:solidFill>
-                  <a:prstClr val="black"/>
-                </a:solidFill>
-              </a:rPr>
-              <a:t>patterns</a:t>
-            </a:r>
-            <a:r>
-              <a:rPr lang="nl-NL" dirty="0">
-                <a:solidFill>
-                  <a:prstClr val="black"/>
-                </a:solidFill>
-              </a:rPr>
-              <a:t> in OOP</a:t>
-            </a:r>
-          </a:p>
-          <a:p>
-            <a:pPr marL="0" marR="0" lvl="0" indent="0" algn="l" defTabSz="385763" rtl="0" eaLnBrk="1" fontAlgn="auto" latinLnBrk="0" hangingPunct="1">
-              <a:lnSpc>
-                <a:spcPct val="100000"/>
-              </a:lnSpc>
-              <a:spcBef>
-                <a:spcPct val="20000"/>
-              </a:spcBef>
-              <a:spcAft>
-                <a:spcPts val="0"/>
-              </a:spcAft>
-              <a:buClrTx/>
-              <a:buSzTx/>
-              <a:buFont typeface="Arial" panose="020B0604020202020204" pitchFamily="34" charset="0"/>
-              <a:buNone/>
-              <a:tabLst/>
-              <a:defRPr/>
-            </a:pPr>
-            <a:r>
-              <a:rPr kumimoji="0" lang="nl-NL" sz="2100" b="0" i="0" u="none" strike="noStrike" kern="1200" cap="none" spc="0" normalizeH="0" baseline="0" noProof="0" dirty="0">
-                <a:ln>
-                  <a:noFill/>
-                </a:ln>
-                <a:solidFill>
-                  <a:prstClr val="black"/>
-                </a:solidFill>
-                <a:effectLst/>
-                <a:uLnTx/>
-                <a:uFillTx/>
-                <a:latin typeface="Segoe UI Semilight" panose="020B0402040204020203" pitchFamily="34" charset="0"/>
-                <a:ea typeface="+mn-ea"/>
-                <a:cs typeface="Segoe UI Semilight" panose="020B0402040204020203" pitchFamily="34" charset="0"/>
-              </a:rPr>
-              <a:t>Developers </a:t>
-            </a:r>
-            <a:r>
-              <a:rPr kumimoji="0" lang="nl-NL" sz="2100" b="0" i="0" u="none" strike="noStrike" kern="1200" cap="none" spc="0" normalizeH="0" baseline="0" noProof="0" dirty="0" err="1">
-                <a:ln>
-                  <a:noFill/>
-                </a:ln>
-                <a:solidFill>
-                  <a:prstClr val="black"/>
-                </a:solidFill>
-                <a:effectLst/>
-                <a:uLnTx/>
-                <a:uFillTx/>
-                <a:latin typeface="Segoe UI Semilight" panose="020B0402040204020203" pitchFamily="34" charset="0"/>
-                <a:ea typeface="+mn-ea"/>
-                <a:cs typeface="Segoe UI Semilight" panose="020B0402040204020203" pitchFamily="34" charset="0"/>
-              </a:rPr>
-              <a:t>discussed</a:t>
-            </a:r>
-            <a:r>
-              <a:rPr kumimoji="0" lang="nl-NL" sz="2100" b="0" i="0" u="none" strike="noStrike" kern="1200" cap="none" spc="0" normalizeH="0" noProof="0" dirty="0">
-                <a:ln>
-                  <a:noFill/>
-                </a:ln>
-                <a:solidFill>
-                  <a:prstClr val="black"/>
-                </a:solidFill>
-                <a:effectLst/>
-                <a:uLnTx/>
-                <a:uFillTx/>
-                <a:latin typeface="Segoe UI Semilight" panose="020B0402040204020203" pitchFamily="34" charset="0"/>
-                <a:ea typeface="+mn-ea"/>
-                <a:cs typeface="Segoe UI Semilight" panose="020B0402040204020203" pitchFamily="34" charset="0"/>
-              </a:rPr>
-              <a:t> </a:t>
-            </a:r>
-            <a:r>
-              <a:rPr kumimoji="0" lang="nl-NL" sz="2100" b="0" i="0" u="none" strike="noStrike" kern="1200" cap="none" spc="0" normalizeH="0" noProof="0" dirty="0" err="1">
-                <a:ln>
-                  <a:noFill/>
-                </a:ln>
-                <a:solidFill>
-                  <a:prstClr val="black"/>
-                </a:solidFill>
-                <a:effectLst/>
-                <a:uLnTx/>
-                <a:uFillTx/>
-                <a:latin typeface="Segoe UI Semilight" panose="020B0402040204020203" pitchFamily="34" charset="0"/>
-                <a:ea typeface="+mn-ea"/>
-                <a:cs typeface="Segoe UI Semilight" panose="020B0402040204020203" pitchFamily="34" charset="0"/>
-              </a:rPr>
-              <a:t>Factory</a:t>
-            </a:r>
-            <a:r>
-              <a:rPr kumimoji="0" lang="nl-NL" sz="2100" b="0" i="0" u="none" strike="noStrike" kern="1200" cap="none" spc="0" normalizeH="0" noProof="0" dirty="0">
-                <a:ln>
-                  <a:noFill/>
-                </a:ln>
-                <a:solidFill>
-                  <a:prstClr val="black"/>
-                </a:solidFill>
-                <a:effectLst/>
-                <a:uLnTx/>
-                <a:uFillTx/>
-                <a:latin typeface="Segoe UI Semilight" panose="020B0402040204020203" pitchFamily="34" charset="0"/>
-                <a:ea typeface="+mn-ea"/>
-                <a:cs typeface="Segoe UI Semilight" panose="020B0402040204020203" pitchFamily="34" charset="0"/>
-              </a:rPr>
-              <a:t> </a:t>
-            </a:r>
-            <a:r>
-              <a:rPr kumimoji="0" lang="nl-NL" sz="2100" b="0" i="0" u="none" strike="noStrike" kern="1200" cap="none" spc="0" normalizeH="0" noProof="0" dirty="0" err="1">
-                <a:ln>
-                  <a:noFill/>
-                </a:ln>
-                <a:solidFill>
-                  <a:prstClr val="black"/>
-                </a:solidFill>
-                <a:effectLst/>
-                <a:uLnTx/>
-                <a:uFillTx/>
-                <a:latin typeface="Segoe UI Semilight" panose="020B0402040204020203" pitchFamily="34" charset="0"/>
-                <a:ea typeface="+mn-ea"/>
-                <a:cs typeface="Segoe UI Semilight" panose="020B0402040204020203" pitchFamily="34" charset="0"/>
-              </a:rPr>
-              <a:t>usage</a:t>
-            </a:r>
-            <a:endParaRPr kumimoji="0" lang="nl-NL" sz="2100" b="0" i="0" u="none" strike="noStrike" kern="1200" cap="none" spc="0" normalizeH="0" baseline="0" noProof="0" dirty="0">
-              <a:ln>
-                <a:noFill/>
-              </a:ln>
-              <a:solidFill>
-                <a:prstClr val="black"/>
-              </a:solidFill>
-              <a:effectLst/>
-              <a:uLnTx/>
-              <a:uFillTx/>
-              <a:latin typeface="Segoe UI Semilight" panose="020B0402040204020203" pitchFamily="34" charset="0"/>
-              <a:ea typeface="+mn-ea"/>
-              <a:cs typeface="Segoe UI Semilight" panose="020B0402040204020203" pitchFamily="34" charset="0"/>
-            </a:endParaRPr>
-          </a:p>
-        </p:txBody>
-      </p:sp>
-    </p:spTree>
-    <p:extLst>
-      <p:ext uri="{BB962C8B-B14F-4D97-AF65-F5344CB8AC3E}">
-        <p14:creationId xmlns:p14="http://schemas.microsoft.com/office/powerpoint/2010/main" val="4030120142"/>
-      </p:ext>
-    </p:extLst>
-  </p:cSld>
-  <p:clrMapOvr>
-    <a:masterClrMapping/>
-  </p:clrMapOvr>
-  <mc:AlternateContent xmlns:mc="http://schemas.openxmlformats.org/markup-compatibility/2006">
-    <mc:Choice xmlns:p14="http://schemas.microsoft.com/office/powerpoint/2010/main" Requires="p14">
-      <p:transition spd="slow" p14:dur="800">
-        <p14:flythrough dir="out"/>
-      </p:transition>
-    </mc:Choice>
-    <mc:Fallback>
-      <p:transition spd="slow">
-        <p:fade/>
-      </p:transition>
-    </mc:Fallback>
-  </mc:AlternateContent>
-  <p:timing>
-    <p:tnLst>
-      <p:par>
-        <p:cTn id="1" dur="indefinite" restart="never" nodeType="tmRoot">
-          <p:childTnLst>
-            <p:seq concurrent="1" nextAc="seek">
-              <p:cTn id="2" dur="indefinite" nodeType="mainSeq">
-                <p:childTnLst>
-                  <p:par>
-                    <p:cTn id="3" fill="hold">
-                      <p:stCondLst>
-                        <p:cond delay="indefinite"/>
-                      </p:stCondLst>
-                      <p:childTnLst>
-                        <p:par>
-                          <p:cTn id="4" fill="hold">
-                            <p:stCondLst>
-                              <p:cond delay="0"/>
-                            </p:stCondLst>
-                            <p:childTnLst>
-                              <p:par>
-                                <p:cTn id="5" presetID="64" presetClass="path" presetSubtype="0" decel="50000" fill="hold" grpId="0" nodeType="clickEffect">
-                                  <p:stCondLst>
-                                    <p:cond delay="0"/>
-                                  </p:stCondLst>
-                                  <p:childTnLst>
-                                    <p:animMotion origin="layout" path="M 8.33333E-7 0 L -0.00052 -0.14167 " pathEditMode="relative" rAng="0" ptsTypes="AA">
-                                      <p:cBhvr>
-                                        <p:cTn id="6" dur="500" fill="hold"/>
-                                        <p:tgtEl>
-                                          <p:spTgt spid="2"/>
-                                        </p:tgtEl>
-                                        <p:attrNameLst>
-                                          <p:attrName>ppt_x</p:attrName>
-                                          <p:attrName>ppt_y</p:attrName>
-                                        </p:attrNameLst>
-                                      </p:cBhvr>
-                                      <p:rCtr x="-26" y="-7083"/>
-                                    </p:animMotion>
-                                  </p:childTnLst>
-                                </p:cTn>
-                              </p:par>
-                              <p:par>
-                                <p:cTn id="7" presetID="12" presetClass="entr" presetSubtype="4" fill="hold" grpId="0" nodeType="withEffect">
-                                  <p:stCondLst>
-                                    <p:cond delay="0"/>
-                                  </p:stCondLst>
-                                  <p:childTnLst>
-                                    <p:set>
-                                      <p:cBhvr>
-                                        <p:cTn id="8" dur="1" fill="hold">
-                                          <p:stCondLst>
-                                            <p:cond delay="0"/>
-                                          </p:stCondLst>
-                                        </p:cTn>
-                                        <p:tgtEl>
-                                          <p:spTgt spid="3"/>
-                                        </p:tgtEl>
-                                        <p:attrNameLst>
-                                          <p:attrName>style.visibility</p:attrName>
-                                        </p:attrNameLst>
-                                      </p:cBhvr>
-                                      <p:to>
-                                        <p:strVal val="visible"/>
-                                      </p:to>
-                                    </p:set>
-                                    <p:anim calcmode="lin" valueType="num">
-                                      <p:cBhvr additive="base">
-                                        <p:cTn id="9" dur="500"/>
-                                        <p:tgtEl>
-                                          <p:spTgt spid="3"/>
-                                        </p:tgtEl>
-                                        <p:attrNameLst>
-                                          <p:attrName>ppt_y</p:attrName>
-                                        </p:attrNameLst>
-                                      </p:cBhvr>
-                                      <p:tavLst>
-                                        <p:tav tm="0">
-                                          <p:val>
-                                            <p:strVal val="#ppt_y+#ppt_h*1.125000"/>
-                                          </p:val>
-                                        </p:tav>
-                                        <p:tav tm="100000">
-                                          <p:val>
-                                            <p:strVal val="#ppt_y"/>
-                                          </p:val>
-                                        </p:tav>
-                                      </p:tavLst>
-                                    </p:anim>
-                                    <p:animEffect transition="in" filter="wipe(up)">
-                                      <p:cBhvr>
-                                        <p:cTn id="10" dur="500"/>
-                                        <p:tgtEl>
-                                          <p:spTgt spid="3"/>
-                                        </p:tgtEl>
-                                      </p:cBhvr>
-                                    </p:animEffect>
-                                  </p:childTnLst>
-                                </p:cTn>
-                              </p:par>
-                              <p:par>
-                                <p:cTn id="11" presetID="64" presetClass="path" presetSubtype="0" decel="50000" fill="hold" grpId="1" nodeType="withEffect">
-                                  <p:stCondLst>
-                                    <p:cond delay="0"/>
-                                  </p:stCondLst>
-                                  <p:childTnLst>
-                                    <p:animMotion origin="layout" path="M -0.00052 0.06227 L -1.45833E-6 -2.96296E-6 " pathEditMode="relative" rAng="0" ptsTypes="AA">
-                                      <p:cBhvr>
-                                        <p:cTn id="12" dur="500" fill="hold"/>
-                                        <p:tgtEl>
-                                          <p:spTgt spid="3"/>
-                                        </p:tgtEl>
-                                        <p:attrNameLst>
-                                          <p:attrName>ppt_x</p:attrName>
-                                          <p:attrName>ppt_y</p:attrName>
-                                        </p:attrNameLst>
-                                      </p:cBhvr>
-                                      <p:rCtr x="26" y="-3125"/>
-                                    </p:animMotion>
-                                  </p:childTnLst>
-                                </p:cTn>
-                              </p:par>
-                            </p:childTnLst>
-                          </p:cTn>
-                        </p:par>
-                      </p:childTnLst>
-                    </p:cTn>
-                  </p:par>
-                </p:childTnLst>
-              </p:cTn>
-              <p:prevCondLst>
-                <p:cond evt="onPrev" delay="0">
-                  <p:tgtEl>
-                    <p:sldTgt/>
-                  </p:tgtEl>
-                </p:cond>
-              </p:prevCondLst>
-              <p:nextCondLst>
-                <p:cond evt="onNext" delay="0">
-                  <p:tgtEl>
-                    <p:sldTgt/>
-                  </p:tgtEl>
-                </p:cond>
-              </p:nextCondLst>
-            </p:seq>
-          </p:childTnLst>
-        </p:cTn>
-      </p:par>
-    </p:tnLst>
-    <p:bldLst>
-      <p:bldP spid="2" grpId="0"/>
-      <p:bldP spid="3" grpId="0"/>
-      <p:bldP spid="3" grpId="1"/>
-    </p:bldLst>
-  </p:timing>
-</p:sld>
-</file>
-
-<file path=ppt/slides/slide15.xml><?xml version="1.0" encoding="utf-8"?>
-<p:sld xmlns:a="http://schemas.openxmlformats.org/drawingml/2006/main" xmlns:r="http://schemas.openxmlformats.org/officeDocument/2006/relationships" xmlns:p="http://schemas.openxmlformats.org/presentationml/2006/main">
-  <p:cSld>
-    <p:spTree>
-      <p:nvGrpSpPr>
-        <p:cNvPr id="1" name=""/>
-        <p:cNvGrpSpPr/>
-        <p:nvPr/>
-      </p:nvGrpSpPr>
-      <p:grpSpPr>
-        <a:xfrm>
-          <a:off x="0" y="0"/>
-          <a:ext cx="0" cy="0"/>
-          <a:chOff x="0" y="0"/>
-          <a:chExt cx="0" cy="0"/>
-        </a:xfrm>
-      </p:grpSpPr>
-      <p:sp>
-        <p:nvSpPr>
-          <p:cNvPr id="2" name="Titel 1"/>
-          <p:cNvSpPr>
-            <a:spLocks noGrp="1"/>
-          </p:cNvSpPr>
-          <p:nvPr>
-            <p:ph type="title"/>
-          </p:nvPr>
-        </p:nvSpPr>
-        <p:spPr>
-          <a:xfrm>
-            <a:off x="3220872" y="2857500"/>
-            <a:ext cx="7567683" cy="1143000"/>
-          </a:xfrm>
-        </p:spPr>
-        <p:txBody>
-          <a:bodyPr/>
-          <a:lstStyle/>
-          <a:p>
-            <a:pPr algn="l"/>
-            <a:r>
-              <a:rPr lang="nl-NL" dirty="0" err="1"/>
               <a:t>Conclusions</a:t>
             </a:r>
             <a:endParaRPr lang="nl-NL" dirty="0"/>
@@ -10285,6 +9608,56 @@
       <p:bldP spid="3" grpId="1"/>
     </p:bldLst>
   </p:timing>
+</p:sld>
+</file>
+
+<file path=ppt/slides/slide15.xml><?xml version="1.0" encoding="utf-8"?>
+<p:sld xmlns:a="http://schemas.openxmlformats.org/drawingml/2006/main" xmlns:r="http://schemas.openxmlformats.org/officeDocument/2006/relationships" xmlns:p="http://schemas.openxmlformats.org/presentationml/2006/main">
+  <p:cSld>
+    <p:bg>
+      <p:bgPr>
+        <a:solidFill>
+          <a:schemeClr val="tx1"/>
+        </a:solidFill>
+        <a:effectLst/>
+      </p:bgPr>
+    </p:bg>
+    <p:spTree>
+      <p:nvGrpSpPr>
+        <p:cNvPr id="1" name=""/>
+        <p:cNvGrpSpPr/>
+        <p:nvPr/>
+      </p:nvGrpSpPr>
+      <p:grpSpPr>
+        <a:xfrm>
+          <a:off x="0" y="0"/>
+          <a:ext cx="0" cy="0"/>
+          <a:chOff x="0" y="0"/>
+          <a:chExt cx="0" cy="0"/>
+        </a:xfrm>
+      </p:grpSpPr>
+    </p:spTree>
+    <p:extLst>
+      <p:ext uri="{BB962C8B-B14F-4D97-AF65-F5344CB8AC3E}">
+        <p14:creationId xmlns:p14="http://schemas.microsoft.com/office/powerpoint/2010/main" val="128478677"/>
+      </p:ext>
+    </p:extLst>
+  </p:cSld>
+  <p:clrMapOvr>
+    <a:masterClrMapping/>
+  </p:clrMapOvr>
+  <mc:AlternateContent xmlns:mc="http://schemas.openxmlformats.org/markup-compatibility/2006">
+    <mc:Choice xmlns:p14="http://schemas.microsoft.com/office/powerpoint/2010/main" Requires="p14">
+      <p:transition spd="slow" p14:dur="800">
+        <p14:flythrough dir="out"/>
+      </p:transition>
+    </mc:Choice>
+    <mc:Fallback>
+      <p:transition spd="slow">
+        <p:fade/>
+      </p:transition>
+    </mc:Fallback>
+  </mc:AlternateContent>
 </p:sld>
 </file>
 
@@ -10806,7 +10179,7 @@
             <a:pPr algn="l"/>
             <a:r>
               <a:rPr lang="nl-NL" dirty="0"/>
-              <a:t>… in Apache Mina</a:t>
+              <a:t>… of Apache Mina</a:t>
             </a:r>
           </a:p>
           <a:p>
@@ -12991,7 +12364,7 @@
                   <a:prstClr val="black"/>
                 </a:solidFill>
               </a:rPr>
-              <a:t>Paralelized</a:t>
+              <a:t>Parallelized</a:t>
             </a:r>
             <a:endParaRPr lang="nl-NL" noProof="0" dirty="0">
               <a:solidFill>
@@ -14938,17 +14311,20 @@
             <a:pPr algn="l"/>
             <a:r>
               <a:rPr lang="nl-NL" dirty="0" err="1"/>
+              <a:t>Velocity</a:t>
+            </a:r>
+            <a:r>
+              <a:rPr lang="nl-NL" dirty="0"/>
+              <a:t> of </a:t>
+            </a:r>
+            <a:r>
+              <a:rPr lang="nl-NL" dirty="0" err="1"/>
               <a:t>Pattern</a:t>
             </a:r>
             <a:r>
               <a:rPr lang="nl-NL" dirty="0"/>
-              <a:t> </a:t>
-            </a:r>
-            <a:r>
-              <a:rPr lang="nl-NL" dirty="0" err="1"/>
-              <a:t>lifespan</a:t>
-            </a:r>
-            <a:endParaRPr lang="nl-NL" dirty="0"/>
+              <a:t> Changes</a:t>
+            </a:r>
           </a:p>
         </p:txBody>
       </p:sp>
@@ -15159,7 +14535,7 @@
           <p:cNvPr id="5" name="Afbeelding 4">
             <a:extLst>
               <a:ext uri="{FF2B5EF4-FFF2-40B4-BE49-F238E27FC236}">
-                <a16:creationId xmlns:a16="http://schemas.microsoft.com/office/drawing/2014/main" id="{5BEB6B11-0C33-451D-8699-356A3117DE6C}"/>
+                <a16:creationId xmlns:a16="http://schemas.microsoft.com/office/drawing/2014/main" id="{6FD2FE22-76C2-41B0-B3AC-B0ABC5709888}"/>
               </a:ext>
             </a:extLst>
           </p:cNvPr>
@@ -15182,126 +14558,54 @@
         </p:blipFill>
         <p:spPr>
           <a:xfrm>
-            <a:off x="3220212" y="1595882"/>
-            <a:ext cx="8184642" cy="5456428"/>
+            <a:off x="974704" y="1554480"/>
+            <a:ext cx="7955280" cy="5303520"/>
           </a:xfrm>
           <a:prstGeom prst="rect">
             <a:avLst/>
           </a:prstGeom>
         </p:spPr>
       </p:pic>
-      <p:sp>
-        <p:nvSpPr>
-          <p:cNvPr id="6" name="Rechthoek 5">
+      <p:pic>
+        <p:nvPicPr>
+          <p:cNvPr id="7" name="Afbeelding 6">
             <a:extLst>
               <a:ext uri="{FF2B5EF4-FFF2-40B4-BE49-F238E27FC236}">
-                <a16:creationId xmlns:a16="http://schemas.microsoft.com/office/drawing/2014/main" id="{9E9A1CC8-A339-406D-AC6E-3CBD83661EB9}"/>
+                <a16:creationId xmlns:a16="http://schemas.microsoft.com/office/drawing/2014/main" id="{3B58DBF2-1D69-4FED-B1EA-96A133D70E1A}"/>
               </a:ext>
             </a:extLst>
           </p:cNvPr>
-          <p:cNvSpPr/>
+          <p:cNvPicPr>
+            <a:picLocks noChangeAspect="1"/>
+          </p:cNvPicPr>
           <p:nvPr/>
-        </p:nvSpPr>
+        </p:nvPicPr>
+        <p:blipFill>
+          <a:blip r:embed="rId4">
+            <a:extLst>
+              <a:ext uri="{28A0092B-C50C-407E-A947-70E740481C1C}">
+                <a14:useLocalDpi xmlns:a14="http://schemas.microsoft.com/office/drawing/2010/main" val="0"/>
+              </a:ext>
+            </a:extLst>
+          </a:blip>
+          <a:stretch>
+            <a:fillRect/>
+          </a:stretch>
+        </p:blipFill>
         <p:spPr>
           <a:xfrm>
-            <a:off x="3405188" y="3429000"/>
-            <a:ext cx="804862" cy="157163"/>
+            <a:off x="4388464" y="1303450"/>
+            <a:ext cx="7803536" cy="5202357"/>
           </a:xfrm>
           <a:prstGeom prst="rect">
             <a:avLst/>
           </a:prstGeom>
-          <a:noFill/>
-          <a:ln w="9525" cap="flat" cmpd="sng" algn="ctr">
-            <a:solidFill>
-              <a:schemeClr val="accent1"/>
-            </a:solidFill>
-            <a:prstDash val="solid"/>
-            <a:round/>
-            <a:headEnd type="none" w="med" len="med"/>
-            <a:tailEnd type="none" w="med" len="med"/>
-          </a:ln>
         </p:spPr>
-        <p:style>
-          <a:lnRef idx="0">
-            <a:scrgbClr r="0" g="0" b="0"/>
-          </a:lnRef>
-          <a:fillRef idx="0">
-            <a:scrgbClr r="0" g="0" b="0"/>
-          </a:fillRef>
-          <a:effectRef idx="0">
-            <a:scrgbClr r="0" g="0" b="0"/>
-          </a:effectRef>
-          <a:fontRef idx="minor">
-            <a:schemeClr val="accent1"/>
-          </a:fontRef>
-        </p:style>
-        <p:txBody>
-          <a:bodyPr rtlCol="0" anchor="ctr"/>
-          <a:lstStyle/>
-          <a:p>
-            <a:pPr algn="ctr"/>
-            <a:endParaRPr lang="nl-NL"/>
-          </a:p>
-        </p:txBody>
-      </p:sp>
-      <p:sp>
-        <p:nvSpPr>
-          <p:cNvPr id="7" name="Rechthoek 6">
-            <a:extLst>
-              <a:ext uri="{FF2B5EF4-FFF2-40B4-BE49-F238E27FC236}">
-                <a16:creationId xmlns:a16="http://schemas.microsoft.com/office/drawing/2014/main" id="{A0460B66-4993-4B7E-B0A3-880D6C4980CF}"/>
-              </a:ext>
-            </a:extLst>
-          </p:cNvPr>
-          <p:cNvSpPr/>
-          <p:nvPr/>
-        </p:nvSpPr>
-        <p:spPr>
-          <a:xfrm>
-            <a:off x="4819650" y="6491288"/>
-            <a:ext cx="204788" cy="147637"/>
-          </a:xfrm>
-          <a:prstGeom prst="rect">
-            <a:avLst/>
-          </a:prstGeom>
-          <a:noFill/>
-          <a:ln w="9525" cap="flat" cmpd="sng" algn="ctr">
-            <a:solidFill>
-              <a:schemeClr val="accent1"/>
-            </a:solidFill>
-            <a:prstDash val="solid"/>
-            <a:round/>
-            <a:headEnd type="none" w="med" len="med"/>
-            <a:tailEnd type="none" w="med" len="med"/>
-          </a:ln>
-        </p:spPr>
-        <p:style>
-          <a:lnRef idx="0">
-            <a:scrgbClr r="0" g="0" b="0"/>
-          </a:lnRef>
-          <a:fillRef idx="0">
-            <a:scrgbClr r="0" g="0" b="0"/>
-          </a:fillRef>
-          <a:effectRef idx="0">
-            <a:scrgbClr r="0" g="0" b="0"/>
-          </a:effectRef>
-          <a:fontRef idx="minor">
-            <a:schemeClr val="accent1"/>
-          </a:fontRef>
-        </p:style>
-        <p:txBody>
-          <a:bodyPr rtlCol="0" anchor="ctr"/>
-          <a:lstStyle/>
-          <a:p>
-            <a:pPr algn="ctr"/>
-            <a:endParaRPr lang="nl-NL"/>
-          </a:p>
-        </p:txBody>
-      </p:sp>
+      </p:pic>
     </p:spTree>
     <p:extLst>
       <p:ext uri="{BB962C8B-B14F-4D97-AF65-F5344CB8AC3E}">
-        <p14:creationId xmlns:p14="http://schemas.microsoft.com/office/powerpoint/2010/main" val="4261970779"/>
+        <p14:creationId xmlns:p14="http://schemas.microsoft.com/office/powerpoint/2010/main" val="1430970111"/>
       </p:ext>
     </p:extLst>
   </p:cSld>
@@ -15346,7 +14650,7 @@
                                     <p:cond delay="0"/>
                                   </p:stCondLst>
                                   <p:childTnLst>
-                                    <p:animMotion origin="layout" path="M 8.33333E-7 0 L -0.0026 -0.27176 " pathEditMode="relative" rAng="0" ptsTypes="AA">
+                                    <p:animMotion origin="layout" path="M 8.33333E-7 0 L 8.33333E-7 -0.27245 " pathEditMode="relative" rAng="0" ptsTypes="AA">
                                       <p:cBhvr>
                                         <p:cTn id="6" dur="500" fill="hold"/>
                                         <p:tgtEl>
@@ -15357,7 +14661,7 @@
                                           <p:attrName>ppt_y</p:attrName>
                                         </p:attrNameLst>
                                       </p:cBhvr>
-                                      <p:rCtr x="-130" y="-13588"/>
+                                      <p:rCtr x="0" y="-13634"/>
                                     </p:animMotion>
                                   </p:childTnLst>
                                 </p:cTn>
@@ -15466,6 +14770,86 @@
                                           </p:stCondLst>
                                         </p:cTn>
                                         <p:tgtEl>
+                                          <p:spTgt spid="7"/>
+                                        </p:tgtEl>
+                                        <p:attrNameLst>
+                                          <p:attrName>style.visibility</p:attrName>
+                                        </p:attrNameLst>
+                                      </p:cBhvr>
+                                      <p:to>
+                                        <p:strVal val="visible"/>
+                                      </p:to>
+                                    </p:set>
+                                    <p:anim calcmode="lin" valueType="num">
+                                      <p:cBhvr additive="base">
+                                        <p:cTn id="15" dur="500"/>
+                                        <p:tgtEl>
+                                          <p:spTgt spid="7"/>
+                                        </p:tgtEl>
+                                        <p:attrNameLst>
+                                          <p:attrName>ppt_y</p:attrName>
+                                        </p:attrNameLst>
+                                      </p:cBhvr>
+                                      <p:tavLst>
+                                        <p:tav tm="0">
+                                          <p:val>
+                                            <p:strVal val="#ppt_y+#ppt_h*1.125000"/>
+                                          </p:val>
+                                        </p:tav>
+                                        <p:tav tm="100000">
+                                          <p:val>
+                                            <p:strVal val="#ppt_y"/>
+                                          </p:val>
+                                        </p:tav>
+                                      </p:tavLst>
+                                    </p:anim>
+                                    <p:animEffect transition="in" filter="wipe(up)">
+                                      <p:cBhvr>
+                                        <p:cTn id="16" dur="500"/>
+                                        <p:tgtEl>
+                                          <p:spTgt spid="7"/>
+                                        </p:tgtEl>
+                                      </p:cBhvr>
+                                    </p:animEffect>
+                                  </p:childTnLst>
+                                </p:cTn>
+                              </p:par>
+                              <p:par>
+                                <p:cTn id="17" presetID="64" presetClass="path" presetSubtype="0" decel="50000" fill="hold" nodeType="withEffect">
+                                  <p:stCondLst>
+                                    <p:cond delay="0"/>
+                                  </p:stCondLst>
+                                  <p:childTnLst>
+                                    <p:animMotion origin="layout" path="M -0.00052 0.06227 L -1.45833E-6 -2.96296E-6 " pathEditMode="relative" rAng="0" ptsTypes="AA">
+                                      <p:cBhvr>
+                                        <p:cTn id="18" dur="500" fill="hold"/>
+                                        <p:tgtEl>
+                                          <p:spTgt spid="7"/>
+                                        </p:tgtEl>
+                                        <p:attrNameLst>
+                                          <p:attrName>ppt_x</p:attrName>
+                                          <p:attrName>ppt_y</p:attrName>
+                                        </p:attrNameLst>
+                                      </p:cBhvr>
+                                      <p:rCtr x="26" y="-3125"/>
+                                    </p:animMotion>
+                                  </p:childTnLst>
+                                </p:cTn>
+                              </p:par>
+                              <p:par>
+                                <p:cTn id="19" presetID="12" presetClass="entr" presetSubtype="4" fill="hold" nodeType="withEffect">
+                                  <p:stCondLst>
+                                    <p:cond delay="0"/>
+                                  </p:stCondLst>
+                                  <p:childTnLst>
+                                    <p:set>
+                                      <p:cBhvr>
+                                        <p:cTn id="20" dur="1" fill="hold">
+                                          <p:stCondLst>
+                                            <p:cond delay="0"/>
+                                          </p:stCondLst>
+                                        </p:cTn>
+                                        <p:tgtEl>
                                           <p:spTgt spid="5"/>
                                         </p:tgtEl>
                                         <p:attrNameLst>
@@ -15478,7 +14862,7 @@
                                     </p:set>
                                     <p:anim calcmode="lin" valueType="num">
                                       <p:cBhvr additive="base">
-                                        <p:cTn id="15" dur="500"/>
+                                        <p:cTn id="21" dur="500"/>
                                         <p:tgtEl>
                                           <p:spTgt spid="5"/>
                                         </p:tgtEl>
@@ -15501,7 +14885,7 @@
                                     </p:anim>
                                     <p:animEffect transition="in" filter="wipe(up)">
                                       <p:cBhvr>
-                                        <p:cTn id="16" dur="500"/>
+                                        <p:cTn id="22" dur="500"/>
                                         <p:tgtEl>
                                           <p:spTgt spid="5"/>
                                         </p:tgtEl>
@@ -15511,87 +14895,7 @@
                                 </p:cTn>
                               </p:par>
                               <p:par>
-                                <p:cTn id="17" presetID="64" presetClass="path" presetSubtype="0" decel="50000" fill="hold" nodeType="withEffect">
-                                  <p:stCondLst>
-                                    <p:cond delay="0"/>
-                                  </p:stCondLst>
-                                  <p:childTnLst>
-                                    <p:animMotion origin="layout" path="M -0.00052 0.06227 L -1.45833E-6 -2.96296E-6 " pathEditMode="relative" rAng="0" ptsTypes="AA">
-                                      <p:cBhvr>
-                                        <p:cTn id="18" dur="500" fill="hold"/>
-                                        <p:tgtEl>
-                                          <p:spTgt spid="5"/>
-                                        </p:tgtEl>
-                                        <p:attrNameLst>
-                                          <p:attrName>ppt_x</p:attrName>
-                                          <p:attrName>ppt_y</p:attrName>
-                                        </p:attrNameLst>
-                                      </p:cBhvr>
-                                      <p:rCtr x="26" y="-3125"/>
-                                    </p:animMotion>
-                                  </p:childTnLst>
-                                </p:cTn>
-                              </p:par>
-                              <p:par>
-                                <p:cTn id="19" presetID="12" presetClass="entr" presetSubtype="4" fill="hold" grpId="0" nodeType="withEffect">
-                                  <p:stCondLst>
-                                    <p:cond delay="0"/>
-                                  </p:stCondLst>
-                                  <p:childTnLst>
-                                    <p:set>
-                                      <p:cBhvr>
-                                        <p:cTn id="20" dur="1" fill="hold">
-                                          <p:stCondLst>
-                                            <p:cond delay="0"/>
-                                          </p:stCondLst>
-                                        </p:cTn>
-                                        <p:tgtEl>
-                                          <p:spTgt spid="6"/>
-                                        </p:tgtEl>
-                                        <p:attrNameLst>
-                                          <p:attrName>style.visibility</p:attrName>
-                                        </p:attrNameLst>
-                                      </p:cBhvr>
-                                      <p:to>
-                                        <p:strVal val="visible"/>
-                                      </p:to>
-                                    </p:set>
-                                    <p:anim calcmode="lin" valueType="num">
-                                      <p:cBhvr additive="base">
-                                        <p:cTn id="21" dur="500"/>
-                                        <p:tgtEl>
-                                          <p:spTgt spid="6"/>
-                                        </p:tgtEl>
-                                        <p:attrNameLst>
-                                          <p:attrName>ppt_y</p:attrName>
-                                        </p:attrNameLst>
-                                      </p:cBhvr>
-                                      <p:tavLst>
-                                        <p:tav tm="0">
-                                          <p:val>
-                                            <p:strVal val="#ppt_y+#ppt_h*1.125000"/>
-                                          </p:val>
-                                        </p:tav>
-                                        <p:tav tm="100000">
-                                          <p:val>
-                                            <p:strVal val="#ppt_y"/>
-                                          </p:val>
-                                        </p:tav>
-                                      </p:tavLst>
-                                    </p:anim>
-                                    <p:animEffect transition="in" filter="wipe(up)">
-                                      <p:cBhvr>
-                                        <p:cTn id="22" dur="500"/>
-                                        <p:tgtEl>
-                                          <p:spTgt spid="6"/>
-                                        </p:tgtEl>
-                                      </p:cBhvr>
-                                    </p:animEffect>
-                                  </p:childTnLst>
-                                </p:cTn>
-                              </p:par>
-                              <p:par>
-                                <p:cTn id="23" presetID="64" presetClass="path" presetSubtype="0" decel="50000" fill="hold" grpId="1" nodeType="withEffect">
+                                <p:cTn id="23" presetID="64" presetClass="path" presetSubtype="0" decel="50000" fill="hold" nodeType="withEffect">
                                   <p:stCondLst>
                                     <p:cond delay="0"/>
                                   </p:stCondLst>
@@ -15600,87 +14904,7 @@
                                       <p:cBhvr>
                                         <p:cTn id="24" dur="500" fill="hold"/>
                                         <p:tgtEl>
-                                          <p:spTgt spid="6"/>
-                                        </p:tgtEl>
-                                        <p:attrNameLst>
-                                          <p:attrName>ppt_x</p:attrName>
-                                          <p:attrName>ppt_y</p:attrName>
-                                        </p:attrNameLst>
-                                      </p:cBhvr>
-                                      <p:rCtr x="26" y="-3125"/>
-                                    </p:animMotion>
-                                  </p:childTnLst>
-                                </p:cTn>
-                              </p:par>
-                              <p:par>
-                                <p:cTn id="25" presetID="12" presetClass="entr" presetSubtype="4" fill="hold" grpId="0" nodeType="withEffect">
-                                  <p:stCondLst>
-                                    <p:cond delay="0"/>
-                                  </p:stCondLst>
-                                  <p:childTnLst>
-                                    <p:set>
-                                      <p:cBhvr>
-                                        <p:cTn id="26" dur="1" fill="hold">
-                                          <p:stCondLst>
-                                            <p:cond delay="0"/>
-                                          </p:stCondLst>
-                                        </p:cTn>
-                                        <p:tgtEl>
-                                          <p:spTgt spid="7"/>
-                                        </p:tgtEl>
-                                        <p:attrNameLst>
-                                          <p:attrName>style.visibility</p:attrName>
-                                        </p:attrNameLst>
-                                      </p:cBhvr>
-                                      <p:to>
-                                        <p:strVal val="visible"/>
-                                      </p:to>
-                                    </p:set>
-                                    <p:anim calcmode="lin" valueType="num">
-                                      <p:cBhvr additive="base">
-                                        <p:cTn id="27" dur="500"/>
-                                        <p:tgtEl>
-                                          <p:spTgt spid="7"/>
-                                        </p:tgtEl>
-                                        <p:attrNameLst>
-                                          <p:attrName>ppt_y</p:attrName>
-                                        </p:attrNameLst>
-                                      </p:cBhvr>
-                                      <p:tavLst>
-                                        <p:tav tm="0">
-                                          <p:val>
-                                            <p:strVal val="#ppt_y+#ppt_h*1.125000"/>
-                                          </p:val>
-                                        </p:tav>
-                                        <p:tav tm="100000">
-                                          <p:val>
-                                            <p:strVal val="#ppt_y"/>
-                                          </p:val>
-                                        </p:tav>
-                                      </p:tavLst>
-                                    </p:anim>
-                                    <p:animEffect transition="in" filter="wipe(up)">
-                                      <p:cBhvr>
-                                        <p:cTn id="28" dur="500"/>
-                                        <p:tgtEl>
-                                          <p:spTgt spid="7"/>
-                                        </p:tgtEl>
-                                      </p:cBhvr>
-                                    </p:animEffect>
-                                  </p:childTnLst>
-                                </p:cTn>
-                              </p:par>
-                              <p:par>
-                                <p:cTn id="29" presetID="64" presetClass="path" presetSubtype="0" decel="50000" fill="hold" grpId="1" nodeType="withEffect">
-                                  <p:stCondLst>
-                                    <p:cond delay="0"/>
-                                  </p:stCondLst>
-                                  <p:childTnLst>
-                                    <p:animMotion origin="layout" path="M -0.00052 0.06227 L -1.45833E-6 -2.96296E-6 " pathEditMode="relative" rAng="0" ptsTypes="AA">
-                                      <p:cBhvr>
-                                        <p:cTn id="30" dur="500" fill="hold"/>
-                                        <p:tgtEl>
-                                          <p:spTgt spid="7"/>
+                                          <p:spTgt spid="5"/>
                                         </p:tgtEl>
                                         <p:attrNameLst>
                                           <p:attrName>ppt_x</p:attrName>
@@ -15723,10 +14947,6 @@
       <p:bldP spid="2" grpId="0"/>
       <p:bldP spid="3" grpId="0"/>
       <p:bldP spid="3" grpId="1"/>
-      <p:bldP spid="6" grpId="0" animBg="1"/>
-      <p:bldP spid="6" grpId="1" animBg="1"/>
-      <p:bldP spid="7" grpId="0" animBg="1"/>
-      <p:bldP spid="7" grpId="1" animBg="1"/>
     </p:bldLst>
   </p:timing>
 </p:sld>
